--- a/doc/ppt/APC_TOPIC_2_ALLOCATORS.pptx
+++ b/doc/ppt/APC_TOPIC_2_ALLOCATORS.pptx
@@ -138,12 +138,12 @@
   <pc:docChgLst>
     <pc:chgData name="Bob Aaldering" userId="13482f050acb118a" providerId="LiveId" clId="{4E56A855-B809-4849-8466-3F955A84324B}"/>
     <pc:docChg chg="undo custSel addSld modSld">
-      <pc:chgData name="Bob Aaldering" userId="13482f050acb118a" providerId="LiveId" clId="{4E56A855-B809-4849-8466-3F955A84324B}" dt="2022-01-10T10:22:19.315" v="1863" actId="20577"/>
+      <pc:chgData name="Bob Aaldering" userId="13482f050acb118a" providerId="LiveId" clId="{4E56A855-B809-4849-8466-3F955A84324B}" dt="2022-01-14T10:43:07.118" v="1907" actId="20577"/>
       <pc:docMkLst>
         <pc:docMk/>
       </pc:docMkLst>
-      <pc:sldChg chg="addSp delSp modSp mod modTransition">
-        <pc:chgData name="Bob Aaldering" userId="13482f050acb118a" providerId="LiveId" clId="{4E56A855-B809-4849-8466-3F955A84324B}" dt="2022-01-10T10:19:10.966" v="1776"/>
+      <pc:sldChg chg="addSp delSp modSp mod modTransition modNotesTx">
+        <pc:chgData name="Bob Aaldering" userId="13482f050acb118a" providerId="LiveId" clId="{4E56A855-B809-4849-8466-3F955A84324B}" dt="2022-01-14T10:41:30.339" v="1867" actId="20577"/>
         <pc:sldMkLst>
           <pc:docMk/>
           <pc:sldMk cId="863402683" sldId="256"/>
@@ -189,8 +189,8 @@
           </ac:picMkLst>
         </pc:picChg>
       </pc:sldChg>
-      <pc:sldChg chg="addSp delSp modSp new mod modTransition">
-        <pc:chgData name="Bob Aaldering" userId="13482f050acb118a" providerId="LiveId" clId="{4E56A855-B809-4849-8466-3F955A84324B}" dt="2022-01-10T10:22:19.315" v="1863" actId="20577"/>
+      <pc:sldChg chg="addSp delSp modSp new mod modTransition modNotesTx">
+        <pc:chgData name="Bob Aaldering" userId="13482f050acb118a" providerId="LiveId" clId="{4E56A855-B809-4849-8466-3F955A84324B}" dt="2022-01-14T10:41:39.841" v="1879" actId="20577"/>
         <pc:sldMkLst>
           <pc:docMk/>
           <pc:sldMk cId="4227639164" sldId="257"/>
@@ -228,8 +228,8 @@
           </ac:picMkLst>
         </pc:picChg>
       </pc:sldChg>
-      <pc:sldChg chg="addSp modSp new mod modTransition">
-        <pc:chgData name="Bob Aaldering" userId="13482f050acb118a" providerId="LiveId" clId="{4E56A855-B809-4849-8466-3F955A84324B}" dt="2022-01-10T10:19:07.848" v="1774"/>
+      <pc:sldChg chg="addSp modSp new mod modTransition modNotesTx">
+        <pc:chgData name="Bob Aaldering" userId="13482f050acb118a" providerId="LiveId" clId="{4E56A855-B809-4849-8466-3F955A84324B}" dt="2022-01-14T10:42:07.524" v="1883" actId="20577"/>
         <pc:sldMkLst>
           <pc:docMk/>
           <pc:sldMk cId="2806410981" sldId="258"/>
@@ -259,8 +259,8 @@
           </ac:picMkLst>
         </pc:picChg>
       </pc:sldChg>
-      <pc:sldChg chg="addSp modSp new mod modTransition">
-        <pc:chgData name="Bob Aaldering" userId="13482f050acb118a" providerId="LiveId" clId="{4E56A855-B809-4849-8466-3F955A84324B}" dt="2022-01-10T10:22:02.205" v="1819" actId="20577"/>
+      <pc:sldChg chg="addSp modSp new mod modTransition modNotesTx">
+        <pc:chgData name="Bob Aaldering" userId="13482f050acb118a" providerId="LiveId" clId="{4E56A855-B809-4849-8466-3F955A84324B}" dt="2022-01-14T10:42:27.752" v="1890" actId="20577"/>
         <pc:sldMkLst>
           <pc:docMk/>
           <pc:sldMk cId="346680561" sldId="259"/>
@@ -290,8 +290,8 @@
           </ac:picMkLst>
         </pc:picChg>
       </pc:sldChg>
-      <pc:sldChg chg="addSp delSp modSp new mod modTransition">
-        <pc:chgData name="Bob Aaldering" userId="13482f050acb118a" providerId="LiveId" clId="{4E56A855-B809-4849-8466-3F955A84324B}" dt="2022-01-10T10:19:03.275" v="1771"/>
+      <pc:sldChg chg="addSp delSp modSp new mod modTransition modNotesTx">
+        <pc:chgData name="Bob Aaldering" userId="13482f050acb118a" providerId="LiveId" clId="{4E56A855-B809-4849-8466-3F955A84324B}" dt="2022-01-14T10:42:31.731" v="1893" actId="20577"/>
         <pc:sldMkLst>
           <pc:docMk/>
           <pc:sldMk cId="2709911751" sldId="260"/>
@@ -361,8 +361,8 @@
           </ac:picMkLst>
         </pc:picChg>
       </pc:sldChg>
-      <pc:sldChg chg="addSp modSp new mod modTransition">
-        <pc:chgData name="Bob Aaldering" userId="13482f050acb118a" providerId="LiveId" clId="{4E56A855-B809-4849-8466-3F955A84324B}" dt="2022-01-10T10:19:06.657" v="1773"/>
+      <pc:sldChg chg="addSp modSp new mod modTransition modNotesTx">
+        <pc:chgData name="Bob Aaldering" userId="13482f050acb118a" providerId="LiveId" clId="{4E56A855-B809-4849-8466-3F955A84324B}" dt="2022-01-14T10:42:11.400" v="1886" actId="20577"/>
         <pc:sldMkLst>
           <pc:docMk/>
           <pc:sldMk cId="1062262003" sldId="261"/>
@@ -392,8 +392,8 @@
           </ac:picMkLst>
         </pc:picChg>
       </pc:sldChg>
-      <pc:sldChg chg="addSp modSp new mod modTransition">
-        <pc:chgData name="Bob Aaldering" userId="13482f050acb118a" providerId="LiveId" clId="{4E56A855-B809-4849-8466-3F955A84324B}" dt="2022-01-10T10:19:01.425" v="1770"/>
+      <pc:sldChg chg="addSp modSp new mod modTransition modNotesTx">
+        <pc:chgData name="Bob Aaldering" userId="13482f050acb118a" providerId="LiveId" clId="{4E56A855-B809-4849-8466-3F955A84324B}" dt="2022-01-14T10:42:36.837" v="1897" actId="20577"/>
         <pc:sldMkLst>
           <pc:docMk/>
           <pc:sldMk cId="3945633023" sldId="262"/>
@@ -431,8 +431,8 @@
           </ac:picMkLst>
         </pc:picChg>
       </pc:sldChg>
-      <pc:sldChg chg="addSp modSp new mod modTransition">
-        <pc:chgData name="Bob Aaldering" userId="13482f050acb118a" providerId="LiveId" clId="{4E56A855-B809-4849-8466-3F955A84324B}" dt="2022-01-10T10:19:00.154" v="1769"/>
+      <pc:sldChg chg="addSp modSp new mod modTransition modNotesTx">
+        <pc:chgData name="Bob Aaldering" userId="13482f050acb118a" providerId="LiveId" clId="{4E56A855-B809-4849-8466-3F955A84324B}" dt="2022-01-14T10:42:53.157" v="1900" actId="20577"/>
         <pc:sldMkLst>
           <pc:docMk/>
           <pc:sldMk cId="1501668930" sldId="263"/>
@@ -462,8 +462,8 @@
           </ac:picMkLst>
         </pc:picChg>
       </pc:sldChg>
-      <pc:sldChg chg="addSp delSp modSp new mod modTransition">
-        <pc:chgData name="Bob Aaldering" userId="13482f050acb118a" providerId="LiveId" clId="{4E56A855-B809-4849-8466-3F955A84324B}" dt="2022-01-10T10:18:58.704" v="1768"/>
+      <pc:sldChg chg="addSp delSp modSp new mod modTransition modNotesTx">
+        <pc:chgData name="Bob Aaldering" userId="13482f050acb118a" providerId="LiveId" clId="{4E56A855-B809-4849-8466-3F955A84324B}" dt="2022-01-14T10:42:56.492" v="1903" actId="20577"/>
         <pc:sldMkLst>
           <pc:docMk/>
           <pc:sldMk cId="462384727" sldId="264"/>
@@ -509,8 +509,8 @@
           </ac:picMkLst>
         </pc:picChg>
       </pc:sldChg>
-      <pc:sldChg chg="modSp new mod modTransition">
-        <pc:chgData name="Bob Aaldering" userId="13482f050acb118a" providerId="LiveId" clId="{4E56A855-B809-4849-8466-3F955A84324B}" dt="2022-01-10T10:18:57.088" v="1767"/>
+      <pc:sldChg chg="modSp new mod modTransition modNotesTx">
+        <pc:chgData name="Bob Aaldering" userId="13482f050acb118a" providerId="LiveId" clId="{4E56A855-B809-4849-8466-3F955A84324B}" dt="2022-01-14T10:43:00.229" v="1906" actId="20577"/>
         <pc:sldMkLst>
           <pc:docMk/>
           <pc:sldMk cId="185735721" sldId="265"/>
@@ -532,8 +532,8 @@
           </ac:spMkLst>
         </pc:spChg>
       </pc:sldChg>
-      <pc:sldChg chg="addSp delSp modSp add mod">
-        <pc:chgData name="Bob Aaldering" userId="13482f050acb118a" providerId="LiveId" clId="{4E56A855-B809-4849-8466-3F955A84324B}" dt="2022-01-10T10:18:14.622" v="1766" actId="1076"/>
+      <pc:sldChg chg="addSp delSp modSp add mod modNotesTx">
+        <pc:chgData name="Bob Aaldering" userId="13482f050acb118a" providerId="LiveId" clId="{4E56A855-B809-4849-8466-3F955A84324B}" dt="2022-01-14T10:43:07.118" v="1907" actId="20577"/>
         <pc:sldMkLst>
           <pc:docMk/>
           <pc:sldMk cId="1855593118" sldId="266"/>
@@ -674,7 +674,7 @@
           <a:p>
             <a:fld id="{CFCA9268-A05A-4DBC-8036-12BDB1E3CE43}" type="datetimeFigureOut">
               <a:rPr lang="nl-NL" smtClean="0"/>
-              <a:t>10-1-2022</a:t>
+              <a:t>14-1-2022</a:t>
             </a:fld>
             <a:endParaRPr lang="nl-NL"/>
           </a:p>
@@ -986,9 +986,10 @@
           <a:lstStyle/>
           <a:p>
             <a:r>
-              <a:rPr lang="nl-NL"/>
-              <a:t>Door: Nian</a:t>
-            </a:r>
+              <a:rPr lang="nl-NL" dirty="0" err="1"/>
+              <a:t>Nian</a:t>
+            </a:r>
+            <a:endParaRPr lang="nl-NL" dirty="0"/>
           </a:p>
         </p:txBody>
       </p:sp>
@@ -1007,6 +1008,181 @@
           <a:bodyPr/>
           <a:lstStyle/>
           <a:p>
+            <a:fld id="{2CB009C4-270B-48FF-836B-91BA6C9EC418}" type="slidenum">
+              <a:rPr lang="nl-NL" smtClean="0"/>
+              <a:t>1</a:t>
+            </a:fld>
+            <a:endParaRPr lang="nl-NL"/>
+          </a:p>
+        </p:txBody>
+      </p:sp>
+    </p:spTree>
+    <p:extLst>
+      <p:ext uri="{BB962C8B-B14F-4D97-AF65-F5344CB8AC3E}">
+        <p14:creationId xmlns:p14="http://schemas.microsoft.com/office/powerpoint/2010/main" val="1433496751"/>
+      </p:ext>
+    </p:extLst>
+  </p:cSld>
+  <p:clrMapOvr>
+    <a:masterClrMapping/>
+  </p:clrMapOvr>
+</p:notes>
+</file>
+
+<file path=ppt/notesSlides/notesSlide10.xml><?xml version="1.0" encoding="utf-8"?>
+<p:notes xmlns:a="http://schemas.openxmlformats.org/drawingml/2006/main" xmlns:r="http://schemas.openxmlformats.org/officeDocument/2006/relationships" xmlns:p="http://schemas.openxmlformats.org/presentationml/2006/main">
+  <p:cSld>
+    <p:spTree>
+      <p:nvGrpSpPr>
+        <p:cNvPr id="1" name=""/>
+        <p:cNvGrpSpPr/>
+        <p:nvPr/>
+      </p:nvGrpSpPr>
+      <p:grpSpPr>
+        <a:xfrm>
+          <a:off x="0" y="0"/>
+          <a:ext cx="0" cy="0"/>
+          <a:chOff x="0" y="0"/>
+          <a:chExt cx="0" cy="0"/>
+        </a:xfrm>
+      </p:grpSpPr>
+      <p:sp>
+        <p:nvSpPr>
+          <p:cNvPr id="2" name="Tijdelijke aanduiding voor dia-afbeelding 1"/>
+          <p:cNvSpPr>
+            <a:spLocks noGrp="1" noRot="1" noChangeAspect="1"/>
+          </p:cNvSpPr>
+          <p:nvPr>
+            <p:ph type="sldImg"/>
+          </p:nvPr>
+        </p:nvSpPr>
+        <p:spPr/>
+      </p:sp>
+      <p:sp>
+        <p:nvSpPr>
+          <p:cNvPr id="3" name="Tijdelijke aanduiding voor notities 2"/>
+          <p:cNvSpPr>
+            <a:spLocks noGrp="1"/>
+          </p:cNvSpPr>
+          <p:nvPr>
+            <p:ph type="body" idx="1"/>
+          </p:nvPr>
+        </p:nvSpPr>
+        <p:spPr/>
+        <p:txBody>
+          <a:bodyPr/>
+          <a:lstStyle/>
+          <a:p>
+            <a:r>
+              <a:rPr lang="nl-NL" dirty="0"/>
+              <a:t>Bob</a:t>
+            </a:r>
+          </a:p>
+        </p:txBody>
+      </p:sp>
+      <p:sp>
+        <p:nvSpPr>
+          <p:cNvPr id="4" name="Tijdelijke aanduiding voor dianummer 3"/>
+          <p:cNvSpPr>
+            <a:spLocks noGrp="1"/>
+          </p:cNvSpPr>
+          <p:nvPr>
+            <p:ph type="sldNum" sz="quarter" idx="5"/>
+          </p:nvPr>
+        </p:nvSpPr>
+        <p:spPr/>
+        <p:txBody>
+          <a:bodyPr/>
+          <a:lstStyle/>
+          <a:p>
+            <a:fld id="{2CB009C4-270B-48FF-836B-91BA6C9EC418}" type="slidenum">
+              <a:rPr lang="nl-NL" smtClean="0"/>
+              <a:t>10</a:t>
+            </a:fld>
+            <a:endParaRPr lang="nl-NL"/>
+          </a:p>
+        </p:txBody>
+      </p:sp>
+    </p:spTree>
+    <p:extLst>
+      <p:ext uri="{BB962C8B-B14F-4D97-AF65-F5344CB8AC3E}">
+        <p14:creationId xmlns:p14="http://schemas.microsoft.com/office/powerpoint/2010/main" val="2041899073"/>
+      </p:ext>
+    </p:extLst>
+  </p:cSld>
+  <p:clrMapOvr>
+    <a:masterClrMapping/>
+  </p:clrMapOvr>
+</p:notes>
+</file>
+
+<file path=ppt/notesSlides/notesSlide11.xml><?xml version="1.0" encoding="utf-8"?>
+<p:notes xmlns:a="http://schemas.openxmlformats.org/drawingml/2006/main" xmlns:r="http://schemas.openxmlformats.org/officeDocument/2006/relationships" xmlns:p="http://schemas.openxmlformats.org/presentationml/2006/main">
+  <p:cSld>
+    <p:spTree>
+      <p:nvGrpSpPr>
+        <p:cNvPr id="1" name=""/>
+        <p:cNvGrpSpPr/>
+        <p:nvPr/>
+      </p:nvGrpSpPr>
+      <p:grpSpPr>
+        <a:xfrm>
+          <a:off x="0" y="0"/>
+          <a:ext cx="0" cy="0"/>
+          <a:chOff x="0" y="0"/>
+          <a:chExt cx="0" cy="0"/>
+        </a:xfrm>
+      </p:grpSpPr>
+      <p:sp>
+        <p:nvSpPr>
+          <p:cNvPr id="2" name="Tijdelijke aanduiding voor dia-afbeelding 1"/>
+          <p:cNvSpPr>
+            <a:spLocks noGrp="1" noRot="1" noChangeAspect="1"/>
+          </p:cNvSpPr>
+          <p:nvPr>
+            <p:ph type="sldImg"/>
+          </p:nvPr>
+        </p:nvSpPr>
+        <p:spPr/>
+      </p:sp>
+      <p:sp>
+        <p:nvSpPr>
+          <p:cNvPr id="3" name="Tijdelijke aanduiding voor notities 2"/>
+          <p:cNvSpPr>
+            <a:spLocks noGrp="1"/>
+          </p:cNvSpPr>
+          <p:nvPr>
+            <p:ph type="body" idx="1"/>
+          </p:nvPr>
+        </p:nvSpPr>
+        <p:spPr/>
+        <p:txBody>
+          <a:bodyPr/>
+          <a:lstStyle/>
+          <a:p>
+            <a:r>
+              <a:rPr lang="nl-NL" dirty="0" err="1"/>
+              <a:t>Nian</a:t>
+            </a:r>
+            <a:endParaRPr lang="nl-NL" dirty="0"/>
+          </a:p>
+        </p:txBody>
+      </p:sp>
+      <p:sp>
+        <p:nvSpPr>
+          <p:cNvPr id="4" name="Tijdelijke aanduiding voor dianummer 3"/>
+          <p:cNvSpPr>
+            <a:spLocks noGrp="1"/>
+          </p:cNvSpPr>
+          <p:nvPr>
+            <p:ph type="sldNum" sz="quarter" idx="5"/>
+          </p:nvPr>
+        </p:nvSpPr>
+        <p:spPr/>
+        <p:txBody>
+          <a:bodyPr/>
+          <a:lstStyle/>
+          <a:p>
             <a:fld id="{2BC5A11D-8DEC-4A0D-BA22-06328332DB6F}" type="slidenum">
               <a:rPr lang="nl-NL" smtClean="0"/>
               <a:t>11</a:t>
@@ -1019,6 +1195,706 @@
     <p:extLst>
       <p:ext uri="{BB962C8B-B14F-4D97-AF65-F5344CB8AC3E}">
         <p14:creationId xmlns:p14="http://schemas.microsoft.com/office/powerpoint/2010/main" val="4229999199"/>
+      </p:ext>
+    </p:extLst>
+  </p:cSld>
+  <p:clrMapOvr>
+    <a:masterClrMapping/>
+  </p:clrMapOvr>
+</p:notes>
+</file>
+
+<file path=ppt/notesSlides/notesSlide2.xml><?xml version="1.0" encoding="utf-8"?>
+<p:notes xmlns:a="http://schemas.openxmlformats.org/drawingml/2006/main" xmlns:r="http://schemas.openxmlformats.org/officeDocument/2006/relationships" xmlns:p="http://schemas.openxmlformats.org/presentationml/2006/main">
+  <p:cSld>
+    <p:spTree>
+      <p:nvGrpSpPr>
+        <p:cNvPr id="1" name=""/>
+        <p:cNvGrpSpPr/>
+        <p:nvPr/>
+      </p:nvGrpSpPr>
+      <p:grpSpPr>
+        <a:xfrm>
+          <a:off x="0" y="0"/>
+          <a:ext cx="0" cy="0"/>
+          <a:chOff x="0" y="0"/>
+          <a:chExt cx="0" cy="0"/>
+        </a:xfrm>
+      </p:grpSpPr>
+      <p:sp>
+        <p:nvSpPr>
+          <p:cNvPr id="2" name="Tijdelijke aanduiding voor dia-afbeelding 1"/>
+          <p:cNvSpPr>
+            <a:spLocks noGrp="1" noRot="1" noChangeAspect="1"/>
+          </p:cNvSpPr>
+          <p:nvPr>
+            <p:ph type="sldImg"/>
+          </p:nvPr>
+        </p:nvSpPr>
+        <p:spPr/>
+      </p:sp>
+      <p:sp>
+        <p:nvSpPr>
+          <p:cNvPr id="3" name="Tijdelijke aanduiding voor notities 2"/>
+          <p:cNvSpPr>
+            <a:spLocks noGrp="1"/>
+          </p:cNvSpPr>
+          <p:nvPr>
+            <p:ph type="body" idx="1"/>
+          </p:nvPr>
+        </p:nvSpPr>
+        <p:spPr/>
+        <p:txBody>
+          <a:bodyPr/>
+          <a:lstStyle/>
+          <a:p>
+            <a:r>
+              <a:rPr lang="nl-NL" dirty="0" err="1"/>
+              <a:t>Nian</a:t>
+            </a:r>
+            <a:endParaRPr lang="nl-NL" dirty="0"/>
+          </a:p>
+        </p:txBody>
+      </p:sp>
+      <p:sp>
+        <p:nvSpPr>
+          <p:cNvPr id="4" name="Tijdelijke aanduiding voor dianummer 3"/>
+          <p:cNvSpPr>
+            <a:spLocks noGrp="1"/>
+          </p:cNvSpPr>
+          <p:nvPr>
+            <p:ph type="sldNum" sz="quarter" idx="5"/>
+          </p:nvPr>
+        </p:nvSpPr>
+        <p:spPr/>
+        <p:txBody>
+          <a:bodyPr/>
+          <a:lstStyle/>
+          <a:p>
+            <a:fld id="{2CB009C4-270B-48FF-836B-91BA6C9EC418}" type="slidenum">
+              <a:rPr lang="nl-NL" smtClean="0"/>
+              <a:t>2</a:t>
+            </a:fld>
+            <a:endParaRPr lang="nl-NL"/>
+          </a:p>
+        </p:txBody>
+      </p:sp>
+    </p:spTree>
+    <p:extLst>
+      <p:ext uri="{BB962C8B-B14F-4D97-AF65-F5344CB8AC3E}">
+        <p14:creationId xmlns:p14="http://schemas.microsoft.com/office/powerpoint/2010/main" val="3441268916"/>
+      </p:ext>
+    </p:extLst>
+  </p:cSld>
+  <p:clrMapOvr>
+    <a:masterClrMapping/>
+  </p:clrMapOvr>
+</p:notes>
+</file>
+
+<file path=ppt/notesSlides/notesSlide3.xml><?xml version="1.0" encoding="utf-8"?>
+<p:notes xmlns:a="http://schemas.openxmlformats.org/drawingml/2006/main" xmlns:r="http://schemas.openxmlformats.org/officeDocument/2006/relationships" xmlns:p="http://schemas.openxmlformats.org/presentationml/2006/main">
+  <p:cSld>
+    <p:spTree>
+      <p:nvGrpSpPr>
+        <p:cNvPr id="1" name=""/>
+        <p:cNvGrpSpPr/>
+        <p:nvPr/>
+      </p:nvGrpSpPr>
+      <p:grpSpPr>
+        <a:xfrm>
+          <a:off x="0" y="0"/>
+          <a:ext cx="0" cy="0"/>
+          <a:chOff x="0" y="0"/>
+          <a:chExt cx="0" cy="0"/>
+        </a:xfrm>
+      </p:grpSpPr>
+      <p:sp>
+        <p:nvSpPr>
+          <p:cNvPr id="2" name="Tijdelijke aanduiding voor dia-afbeelding 1"/>
+          <p:cNvSpPr>
+            <a:spLocks noGrp="1" noRot="1" noChangeAspect="1"/>
+          </p:cNvSpPr>
+          <p:nvPr>
+            <p:ph type="sldImg"/>
+          </p:nvPr>
+        </p:nvSpPr>
+        <p:spPr/>
+      </p:sp>
+      <p:sp>
+        <p:nvSpPr>
+          <p:cNvPr id="3" name="Tijdelijke aanduiding voor notities 2"/>
+          <p:cNvSpPr>
+            <a:spLocks noGrp="1"/>
+          </p:cNvSpPr>
+          <p:nvPr>
+            <p:ph type="body" idx="1"/>
+          </p:nvPr>
+        </p:nvSpPr>
+        <p:spPr/>
+        <p:txBody>
+          <a:bodyPr/>
+          <a:lstStyle/>
+          <a:p>
+            <a:r>
+              <a:rPr lang="nl-NL" dirty="0" err="1"/>
+              <a:t>Nian</a:t>
+            </a:r>
+            <a:endParaRPr lang="nl-NL" dirty="0"/>
+          </a:p>
+        </p:txBody>
+      </p:sp>
+      <p:sp>
+        <p:nvSpPr>
+          <p:cNvPr id="4" name="Tijdelijke aanduiding voor dianummer 3"/>
+          <p:cNvSpPr>
+            <a:spLocks noGrp="1"/>
+          </p:cNvSpPr>
+          <p:nvPr>
+            <p:ph type="sldNum" sz="quarter" idx="5"/>
+          </p:nvPr>
+        </p:nvSpPr>
+        <p:spPr/>
+        <p:txBody>
+          <a:bodyPr/>
+          <a:lstStyle/>
+          <a:p>
+            <a:fld id="{2CB009C4-270B-48FF-836B-91BA6C9EC418}" type="slidenum">
+              <a:rPr lang="nl-NL" smtClean="0"/>
+              <a:t>3</a:t>
+            </a:fld>
+            <a:endParaRPr lang="nl-NL"/>
+          </a:p>
+        </p:txBody>
+      </p:sp>
+    </p:spTree>
+    <p:extLst>
+      <p:ext uri="{BB962C8B-B14F-4D97-AF65-F5344CB8AC3E}">
+        <p14:creationId xmlns:p14="http://schemas.microsoft.com/office/powerpoint/2010/main" val="851014300"/>
+      </p:ext>
+    </p:extLst>
+  </p:cSld>
+  <p:clrMapOvr>
+    <a:masterClrMapping/>
+  </p:clrMapOvr>
+</p:notes>
+</file>
+
+<file path=ppt/notesSlides/notesSlide4.xml><?xml version="1.0" encoding="utf-8"?>
+<p:notes xmlns:a="http://schemas.openxmlformats.org/drawingml/2006/main" xmlns:r="http://schemas.openxmlformats.org/officeDocument/2006/relationships" xmlns:p="http://schemas.openxmlformats.org/presentationml/2006/main">
+  <p:cSld>
+    <p:spTree>
+      <p:nvGrpSpPr>
+        <p:cNvPr id="1" name=""/>
+        <p:cNvGrpSpPr/>
+        <p:nvPr/>
+      </p:nvGrpSpPr>
+      <p:grpSpPr>
+        <a:xfrm>
+          <a:off x="0" y="0"/>
+          <a:ext cx="0" cy="0"/>
+          <a:chOff x="0" y="0"/>
+          <a:chExt cx="0" cy="0"/>
+        </a:xfrm>
+      </p:grpSpPr>
+      <p:sp>
+        <p:nvSpPr>
+          <p:cNvPr id="2" name="Tijdelijke aanduiding voor dia-afbeelding 1"/>
+          <p:cNvSpPr>
+            <a:spLocks noGrp="1" noRot="1" noChangeAspect="1"/>
+          </p:cNvSpPr>
+          <p:nvPr>
+            <p:ph type="sldImg"/>
+          </p:nvPr>
+        </p:nvSpPr>
+        <p:spPr/>
+      </p:sp>
+      <p:sp>
+        <p:nvSpPr>
+          <p:cNvPr id="3" name="Tijdelijke aanduiding voor notities 2"/>
+          <p:cNvSpPr>
+            <a:spLocks noGrp="1"/>
+          </p:cNvSpPr>
+          <p:nvPr>
+            <p:ph type="body" idx="1"/>
+          </p:nvPr>
+        </p:nvSpPr>
+        <p:spPr/>
+        <p:txBody>
+          <a:bodyPr/>
+          <a:lstStyle/>
+          <a:p>
+            <a:r>
+              <a:rPr lang="nl-NL" dirty="0"/>
+              <a:t>Bob</a:t>
+            </a:r>
+          </a:p>
+        </p:txBody>
+      </p:sp>
+      <p:sp>
+        <p:nvSpPr>
+          <p:cNvPr id="4" name="Tijdelijke aanduiding voor dianummer 3"/>
+          <p:cNvSpPr>
+            <a:spLocks noGrp="1"/>
+          </p:cNvSpPr>
+          <p:nvPr>
+            <p:ph type="sldNum" sz="quarter" idx="5"/>
+          </p:nvPr>
+        </p:nvSpPr>
+        <p:spPr/>
+        <p:txBody>
+          <a:bodyPr/>
+          <a:lstStyle/>
+          <a:p>
+            <a:fld id="{2CB009C4-270B-48FF-836B-91BA6C9EC418}" type="slidenum">
+              <a:rPr lang="nl-NL" smtClean="0"/>
+              <a:t>4</a:t>
+            </a:fld>
+            <a:endParaRPr lang="nl-NL"/>
+          </a:p>
+        </p:txBody>
+      </p:sp>
+    </p:spTree>
+    <p:extLst>
+      <p:ext uri="{BB962C8B-B14F-4D97-AF65-F5344CB8AC3E}">
+        <p14:creationId xmlns:p14="http://schemas.microsoft.com/office/powerpoint/2010/main" val="1228450822"/>
+      </p:ext>
+    </p:extLst>
+  </p:cSld>
+  <p:clrMapOvr>
+    <a:masterClrMapping/>
+  </p:clrMapOvr>
+</p:notes>
+</file>
+
+<file path=ppt/notesSlides/notesSlide5.xml><?xml version="1.0" encoding="utf-8"?>
+<p:notes xmlns:a="http://schemas.openxmlformats.org/drawingml/2006/main" xmlns:r="http://schemas.openxmlformats.org/officeDocument/2006/relationships" xmlns:p="http://schemas.openxmlformats.org/presentationml/2006/main">
+  <p:cSld>
+    <p:spTree>
+      <p:nvGrpSpPr>
+        <p:cNvPr id="1" name=""/>
+        <p:cNvGrpSpPr/>
+        <p:nvPr/>
+      </p:nvGrpSpPr>
+      <p:grpSpPr>
+        <a:xfrm>
+          <a:off x="0" y="0"/>
+          <a:ext cx="0" cy="0"/>
+          <a:chOff x="0" y="0"/>
+          <a:chExt cx="0" cy="0"/>
+        </a:xfrm>
+      </p:grpSpPr>
+      <p:sp>
+        <p:nvSpPr>
+          <p:cNvPr id="2" name="Tijdelijke aanduiding voor dia-afbeelding 1"/>
+          <p:cNvSpPr>
+            <a:spLocks noGrp="1" noRot="1" noChangeAspect="1"/>
+          </p:cNvSpPr>
+          <p:nvPr>
+            <p:ph type="sldImg"/>
+          </p:nvPr>
+        </p:nvSpPr>
+        <p:spPr/>
+      </p:sp>
+      <p:sp>
+        <p:nvSpPr>
+          <p:cNvPr id="3" name="Tijdelijke aanduiding voor notities 2"/>
+          <p:cNvSpPr>
+            <a:spLocks noGrp="1"/>
+          </p:cNvSpPr>
+          <p:nvPr>
+            <p:ph type="body" idx="1"/>
+          </p:nvPr>
+        </p:nvSpPr>
+        <p:spPr/>
+        <p:txBody>
+          <a:bodyPr/>
+          <a:lstStyle/>
+          <a:p>
+            <a:r>
+              <a:rPr lang="nl-NL" dirty="0" err="1"/>
+              <a:t>Nian</a:t>
+            </a:r>
+            <a:endParaRPr lang="nl-NL" dirty="0"/>
+          </a:p>
+        </p:txBody>
+      </p:sp>
+      <p:sp>
+        <p:nvSpPr>
+          <p:cNvPr id="4" name="Tijdelijke aanduiding voor dianummer 3"/>
+          <p:cNvSpPr>
+            <a:spLocks noGrp="1"/>
+          </p:cNvSpPr>
+          <p:nvPr>
+            <p:ph type="sldNum" sz="quarter" idx="5"/>
+          </p:nvPr>
+        </p:nvSpPr>
+        <p:spPr/>
+        <p:txBody>
+          <a:bodyPr/>
+          <a:lstStyle/>
+          <a:p>
+            <a:fld id="{2CB009C4-270B-48FF-836B-91BA6C9EC418}" type="slidenum">
+              <a:rPr lang="nl-NL" smtClean="0"/>
+              <a:t>5</a:t>
+            </a:fld>
+            <a:endParaRPr lang="nl-NL"/>
+          </a:p>
+        </p:txBody>
+      </p:sp>
+    </p:spTree>
+    <p:extLst>
+      <p:ext uri="{BB962C8B-B14F-4D97-AF65-F5344CB8AC3E}">
+        <p14:creationId xmlns:p14="http://schemas.microsoft.com/office/powerpoint/2010/main" val="2048938052"/>
+      </p:ext>
+    </p:extLst>
+  </p:cSld>
+  <p:clrMapOvr>
+    <a:masterClrMapping/>
+  </p:clrMapOvr>
+</p:notes>
+</file>
+
+<file path=ppt/notesSlides/notesSlide6.xml><?xml version="1.0" encoding="utf-8"?>
+<p:notes xmlns:a="http://schemas.openxmlformats.org/drawingml/2006/main" xmlns:r="http://schemas.openxmlformats.org/officeDocument/2006/relationships" xmlns:p="http://schemas.openxmlformats.org/presentationml/2006/main">
+  <p:cSld>
+    <p:spTree>
+      <p:nvGrpSpPr>
+        <p:cNvPr id="1" name=""/>
+        <p:cNvGrpSpPr/>
+        <p:nvPr/>
+      </p:nvGrpSpPr>
+      <p:grpSpPr>
+        <a:xfrm>
+          <a:off x="0" y="0"/>
+          <a:ext cx="0" cy="0"/>
+          <a:chOff x="0" y="0"/>
+          <a:chExt cx="0" cy="0"/>
+        </a:xfrm>
+      </p:grpSpPr>
+      <p:sp>
+        <p:nvSpPr>
+          <p:cNvPr id="2" name="Tijdelijke aanduiding voor dia-afbeelding 1"/>
+          <p:cNvSpPr>
+            <a:spLocks noGrp="1" noRot="1" noChangeAspect="1"/>
+          </p:cNvSpPr>
+          <p:nvPr>
+            <p:ph type="sldImg"/>
+          </p:nvPr>
+        </p:nvSpPr>
+        <p:spPr/>
+      </p:sp>
+      <p:sp>
+        <p:nvSpPr>
+          <p:cNvPr id="3" name="Tijdelijke aanduiding voor notities 2"/>
+          <p:cNvSpPr>
+            <a:spLocks noGrp="1"/>
+          </p:cNvSpPr>
+          <p:nvPr>
+            <p:ph type="body" idx="1"/>
+          </p:nvPr>
+        </p:nvSpPr>
+        <p:spPr/>
+        <p:txBody>
+          <a:bodyPr/>
+          <a:lstStyle/>
+          <a:p>
+            <a:r>
+              <a:rPr lang="nl-NL" dirty="0"/>
+              <a:t>Bob</a:t>
+            </a:r>
+          </a:p>
+        </p:txBody>
+      </p:sp>
+      <p:sp>
+        <p:nvSpPr>
+          <p:cNvPr id="4" name="Tijdelijke aanduiding voor dianummer 3"/>
+          <p:cNvSpPr>
+            <a:spLocks noGrp="1"/>
+          </p:cNvSpPr>
+          <p:nvPr>
+            <p:ph type="sldNum" sz="quarter" idx="5"/>
+          </p:nvPr>
+        </p:nvSpPr>
+        <p:spPr/>
+        <p:txBody>
+          <a:bodyPr/>
+          <a:lstStyle/>
+          <a:p>
+            <a:fld id="{2CB009C4-270B-48FF-836B-91BA6C9EC418}" type="slidenum">
+              <a:rPr lang="nl-NL" smtClean="0"/>
+              <a:t>6</a:t>
+            </a:fld>
+            <a:endParaRPr lang="nl-NL"/>
+          </a:p>
+        </p:txBody>
+      </p:sp>
+    </p:spTree>
+    <p:extLst>
+      <p:ext uri="{BB962C8B-B14F-4D97-AF65-F5344CB8AC3E}">
+        <p14:creationId xmlns:p14="http://schemas.microsoft.com/office/powerpoint/2010/main" val="2120020230"/>
+      </p:ext>
+    </p:extLst>
+  </p:cSld>
+  <p:clrMapOvr>
+    <a:masterClrMapping/>
+  </p:clrMapOvr>
+</p:notes>
+</file>
+
+<file path=ppt/notesSlides/notesSlide7.xml><?xml version="1.0" encoding="utf-8"?>
+<p:notes xmlns:a="http://schemas.openxmlformats.org/drawingml/2006/main" xmlns:r="http://schemas.openxmlformats.org/officeDocument/2006/relationships" xmlns:p="http://schemas.openxmlformats.org/presentationml/2006/main">
+  <p:cSld>
+    <p:spTree>
+      <p:nvGrpSpPr>
+        <p:cNvPr id="1" name=""/>
+        <p:cNvGrpSpPr/>
+        <p:nvPr/>
+      </p:nvGrpSpPr>
+      <p:grpSpPr>
+        <a:xfrm>
+          <a:off x="0" y="0"/>
+          <a:ext cx="0" cy="0"/>
+          <a:chOff x="0" y="0"/>
+          <a:chExt cx="0" cy="0"/>
+        </a:xfrm>
+      </p:grpSpPr>
+      <p:sp>
+        <p:nvSpPr>
+          <p:cNvPr id="2" name="Tijdelijke aanduiding voor dia-afbeelding 1"/>
+          <p:cNvSpPr>
+            <a:spLocks noGrp="1" noRot="1" noChangeAspect="1"/>
+          </p:cNvSpPr>
+          <p:nvPr>
+            <p:ph type="sldImg"/>
+          </p:nvPr>
+        </p:nvSpPr>
+        <p:spPr/>
+      </p:sp>
+      <p:sp>
+        <p:nvSpPr>
+          <p:cNvPr id="3" name="Tijdelijke aanduiding voor notities 2"/>
+          <p:cNvSpPr>
+            <a:spLocks noGrp="1"/>
+          </p:cNvSpPr>
+          <p:nvPr>
+            <p:ph type="body" idx="1"/>
+          </p:nvPr>
+        </p:nvSpPr>
+        <p:spPr/>
+        <p:txBody>
+          <a:bodyPr/>
+          <a:lstStyle/>
+          <a:p>
+            <a:r>
+              <a:rPr lang="nl-NL" dirty="0" err="1"/>
+              <a:t>Nian</a:t>
+            </a:r>
+            <a:endParaRPr lang="nl-NL" dirty="0"/>
+          </a:p>
+        </p:txBody>
+      </p:sp>
+      <p:sp>
+        <p:nvSpPr>
+          <p:cNvPr id="4" name="Tijdelijke aanduiding voor dianummer 3"/>
+          <p:cNvSpPr>
+            <a:spLocks noGrp="1"/>
+          </p:cNvSpPr>
+          <p:nvPr>
+            <p:ph type="sldNum" sz="quarter" idx="5"/>
+          </p:nvPr>
+        </p:nvSpPr>
+        <p:spPr/>
+        <p:txBody>
+          <a:bodyPr/>
+          <a:lstStyle/>
+          <a:p>
+            <a:fld id="{2CB009C4-270B-48FF-836B-91BA6C9EC418}" type="slidenum">
+              <a:rPr lang="nl-NL" smtClean="0"/>
+              <a:t>7</a:t>
+            </a:fld>
+            <a:endParaRPr lang="nl-NL"/>
+          </a:p>
+        </p:txBody>
+      </p:sp>
+    </p:spTree>
+    <p:extLst>
+      <p:ext uri="{BB962C8B-B14F-4D97-AF65-F5344CB8AC3E}">
+        <p14:creationId xmlns:p14="http://schemas.microsoft.com/office/powerpoint/2010/main" val="2088798170"/>
+      </p:ext>
+    </p:extLst>
+  </p:cSld>
+  <p:clrMapOvr>
+    <a:masterClrMapping/>
+  </p:clrMapOvr>
+</p:notes>
+</file>
+
+<file path=ppt/notesSlides/notesSlide8.xml><?xml version="1.0" encoding="utf-8"?>
+<p:notes xmlns:a="http://schemas.openxmlformats.org/drawingml/2006/main" xmlns:r="http://schemas.openxmlformats.org/officeDocument/2006/relationships" xmlns:p="http://schemas.openxmlformats.org/presentationml/2006/main">
+  <p:cSld>
+    <p:spTree>
+      <p:nvGrpSpPr>
+        <p:cNvPr id="1" name=""/>
+        <p:cNvGrpSpPr/>
+        <p:nvPr/>
+      </p:nvGrpSpPr>
+      <p:grpSpPr>
+        <a:xfrm>
+          <a:off x="0" y="0"/>
+          <a:ext cx="0" cy="0"/>
+          <a:chOff x="0" y="0"/>
+          <a:chExt cx="0" cy="0"/>
+        </a:xfrm>
+      </p:grpSpPr>
+      <p:sp>
+        <p:nvSpPr>
+          <p:cNvPr id="2" name="Tijdelijke aanduiding voor dia-afbeelding 1"/>
+          <p:cNvSpPr>
+            <a:spLocks noGrp="1" noRot="1" noChangeAspect="1"/>
+          </p:cNvSpPr>
+          <p:nvPr>
+            <p:ph type="sldImg"/>
+          </p:nvPr>
+        </p:nvSpPr>
+        <p:spPr/>
+      </p:sp>
+      <p:sp>
+        <p:nvSpPr>
+          <p:cNvPr id="3" name="Tijdelijke aanduiding voor notities 2"/>
+          <p:cNvSpPr>
+            <a:spLocks noGrp="1"/>
+          </p:cNvSpPr>
+          <p:nvPr>
+            <p:ph type="body" idx="1"/>
+          </p:nvPr>
+        </p:nvSpPr>
+        <p:spPr/>
+        <p:txBody>
+          <a:bodyPr/>
+          <a:lstStyle/>
+          <a:p>
+            <a:r>
+              <a:rPr lang="nl-NL" dirty="0"/>
+              <a:t>Bob</a:t>
+            </a:r>
+          </a:p>
+        </p:txBody>
+      </p:sp>
+      <p:sp>
+        <p:nvSpPr>
+          <p:cNvPr id="4" name="Tijdelijke aanduiding voor dianummer 3"/>
+          <p:cNvSpPr>
+            <a:spLocks noGrp="1"/>
+          </p:cNvSpPr>
+          <p:nvPr>
+            <p:ph type="sldNum" sz="quarter" idx="5"/>
+          </p:nvPr>
+        </p:nvSpPr>
+        <p:spPr/>
+        <p:txBody>
+          <a:bodyPr/>
+          <a:lstStyle/>
+          <a:p>
+            <a:fld id="{2CB009C4-270B-48FF-836B-91BA6C9EC418}" type="slidenum">
+              <a:rPr lang="nl-NL" smtClean="0"/>
+              <a:t>8</a:t>
+            </a:fld>
+            <a:endParaRPr lang="nl-NL"/>
+          </a:p>
+        </p:txBody>
+      </p:sp>
+    </p:spTree>
+    <p:extLst>
+      <p:ext uri="{BB962C8B-B14F-4D97-AF65-F5344CB8AC3E}">
+        <p14:creationId xmlns:p14="http://schemas.microsoft.com/office/powerpoint/2010/main" val="3371857213"/>
+      </p:ext>
+    </p:extLst>
+  </p:cSld>
+  <p:clrMapOvr>
+    <a:masterClrMapping/>
+  </p:clrMapOvr>
+</p:notes>
+</file>
+
+<file path=ppt/notesSlides/notesSlide9.xml><?xml version="1.0" encoding="utf-8"?>
+<p:notes xmlns:a="http://schemas.openxmlformats.org/drawingml/2006/main" xmlns:r="http://schemas.openxmlformats.org/officeDocument/2006/relationships" xmlns:p="http://schemas.openxmlformats.org/presentationml/2006/main">
+  <p:cSld>
+    <p:spTree>
+      <p:nvGrpSpPr>
+        <p:cNvPr id="1" name=""/>
+        <p:cNvGrpSpPr/>
+        <p:nvPr/>
+      </p:nvGrpSpPr>
+      <p:grpSpPr>
+        <a:xfrm>
+          <a:off x="0" y="0"/>
+          <a:ext cx="0" cy="0"/>
+          <a:chOff x="0" y="0"/>
+          <a:chExt cx="0" cy="0"/>
+        </a:xfrm>
+      </p:grpSpPr>
+      <p:sp>
+        <p:nvSpPr>
+          <p:cNvPr id="2" name="Tijdelijke aanduiding voor dia-afbeelding 1"/>
+          <p:cNvSpPr>
+            <a:spLocks noGrp="1" noRot="1" noChangeAspect="1"/>
+          </p:cNvSpPr>
+          <p:nvPr>
+            <p:ph type="sldImg"/>
+          </p:nvPr>
+        </p:nvSpPr>
+        <p:spPr/>
+      </p:sp>
+      <p:sp>
+        <p:nvSpPr>
+          <p:cNvPr id="3" name="Tijdelijke aanduiding voor notities 2"/>
+          <p:cNvSpPr>
+            <a:spLocks noGrp="1"/>
+          </p:cNvSpPr>
+          <p:nvPr>
+            <p:ph type="body" idx="1"/>
+          </p:nvPr>
+        </p:nvSpPr>
+        <p:spPr/>
+        <p:txBody>
+          <a:bodyPr/>
+          <a:lstStyle/>
+          <a:p>
+            <a:r>
+              <a:rPr lang="nl-NL" dirty="0"/>
+              <a:t>Bob</a:t>
+            </a:r>
+          </a:p>
+        </p:txBody>
+      </p:sp>
+      <p:sp>
+        <p:nvSpPr>
+          <p:cNvPr id="4" name="Tijdelijke aanduiding voor dianummer 3"/>
+          <p:cNvSpPr>
+            <a:spLocks noGrp="1"/>
+          </p:cNvSpPr>
+          <p:nvPr>
+            <p:ph type="sldNum" sz="quarter" idx="5"/>
+          </p:nvPr>
+        </p:nvSpPr>
+        <p:spPr/>
+        <p:txBody>
+          <a:bodyPr/>
+          <a:lstStyle/>
+          <a:p>
+            <a:fld id="{2CB009C4-270B-48FF-836B-91BA6C9EC418}" type="slidenum">
+              <a:rPr lang="nl-NL" smtClean="0"/>
+              <a:t>9</a:t>
+            </a:fld>
+            <a:endParaRPr lang="nl-NL"/>
+          </a:p>
+        </p:txBody>
+      </p:sp>
+    </p:spTree>
+    <p:extLst>
+      <p:ext uri="{BB962C8B-B14F-4D97-AF65-F5344CB8AC3E}">
+        <p14:creationId xmlns:p14="http://schemas.microsoft.com/office/powerpoint/2010/main" val="1289915377"/>
       </p:ext>
     </p:extLst>
   </p:cSld>
@@ -1078,7 +1954,7 @@
           <a:noFill/>
           <a:extLst>
             <a:ext uri="{909E8E84-426E-40dd-AFC4-6F175D3DCCD1}">
-              <a14:hiddenFill xmlns="" xmlns:a14="http://schemas.microsoft.com/office/drawing/2010/main">
+              <a14:hiddenFill xmlns:a14="http://schemas.microsoft.com/office/drawing/2010/main" xmlns="">
                 <a:solidFill>
                   <a:srgbClr val="FFFFFF"/>
                 </a:solidFill>
@@ -1138,7 +2014,7 @@
             </a:ln>
             <a:extLst>
               <a:ext uri="{91240B29-F687-4f45-9708-019B960494DF}">
-                <a14:hiddenLine xmlns="" xmlns:a14="http://schemas.microsoft.com/office/drawing/2010/main" w="9525">
+                <a14:hiddenLine xmlns:a14="http://schemas.microsoft.com/office/drawing/2010/main" xmlns="" w="9525">
                   <a:solidFill>
                     <a:srgbClr val="000000"/>
                   </a:solidFill>
@@ -1228,7 +2104,7 @@
             </a:ln>
             <a:extLst>
               <a:ext uri="{91240B29-F687-4f45-9708-019B960494DF}">
-                <a14:hiddenLine xmlns="" xmlns:a14="http://schemas.microsoft.com/office/drawing/2010/main" w="9525">
+                <a14:hiddenLine xmlns:a14="http://schemas.microsoft.com/office/drawing/2010/main" xmlns="" w="9525">
                   <a:solidFill>
                     <a:srgbClr val="000000"/>
                   </a:solidFill>
@@ -1318,7 +2194,7 @@
             </a:ln>
             <a:extLst>
               <a:ext uri="{91240B29-F687-4f45-9708-019B960494DF}">
-                <a14:hiddenLine xmlns="" xmlns:a14="http://schemas.microsoft.com/office/drawing/2010/main" w="9525">
+                <a14:hiddenLine xmlns:a14="http://schemas.microsoft.com/office/drawing/2010/main" xmlns="" w="9525">
                   <a:solidFill>
                     <a:srgbClr val="000000"/>
                   </a:solidFill>
@@ -1352,7 +2228,7 @@
             </a:ln>
             <a:extLst>
               <a:ext uri="{91240B29-F687-4f45-9708-019B960494DF}">
-                <a14:hiddenLine xmlns="" xmlns:a14="http://schemas.microsoft.com/office/drawing/2010/main" w="9525">
+                <a14:hiddenLine xmlns:a14="http://schemas.microsoft.com/office/drawing/2010/main" xmlns="" w="9525">
                   <a:solidFill>
                     <a:srgbClr val="000000"/>
                   </a:solidFill>
@@ -1442,7 +2318,7 @@
             </a:ln>
             <a:extLst>
               <a:ext uri="{91240B29-F687-4f45-9708-019B960494DF}">
-                <a14:hiddenLine xmlns="" xmlns:a14="http://schemas.microsoft.com/office/drawing/2010/main" w="9525">
+                <a14:hiddenLine xmlns:a14="http://schemas.microsoft.com/office/drawing/2010/main" xmlns="" w="9525">
                   <a:solidFill>
                     <a:srgbClr val="000000"/>
                   </a:solidFill>
@@ -1504,7 +2380,7 @@
             </a:ln>
             <a:extLst>
               <a:ext uri="{91240B29-F687-4f45-9708-019B960494DF}">
-                <a14:hiddenLine xmlns="" xmlns:a14="http://schemas.microsoft.com/office/drawing/2010/main" w="9525">
+                <a14:hiddenLine xmlns:a14="http://schemas.microsoft.com/office/drawing/2010/main" xmlns="" w="9525">
                   <a:solidFill>
                     <a:srgbClr val="000000"/>
                   </a:solidFill>
@@ -1566,7 +2442,7 @@
             </a:ln>
             <a:extLst>
               <a:ext uri="{91240B29-F687-4f45-9708-019B960494DF}">
-                <a14:hiddenLine xmlns="" xmlns:a14="http://schemas.microsoft.com/office/drawing/2010/main" w="9525">
+                <a14:hiddenLine xmlns:a14="http://schemas.microsoft.com/office/drawing/2010/main" xmlns="" w="9525">
                   <a:solidFill>
                     <a:srgbClr val="000000"/>
                   </a:solidFill>
@@ -1656,7 +2532,7 @@
             </a:ln>
             <a:extLst>
               <a:ext uri="{91240B29-F687-4f45-9708-019B960494DF}">
-                <a14:hiddenLine xmlns="" xmlns:a14="http://schemas.microsoft.com/office/drawing/2010/main" w="9525">
+                <a14:hiddenLine xmlns:a14="http://schemas.microsoft.com/office/drawing/2010/main" xmlns="" w="9525">
                   <a:solidFill>
                     <a:srgbClr val="000000"/>
                   </a:solidFill>
@@ -1718,7 +2594,7 @@
             </a:ln>
             <a:extLst>
               <a:ext uri="{91240B29-F687-4f45-9708-019B960494DF}">
-                <a14:hiddenLine xmlns="" xmlns:a14="http://schemas.microsoft.com/office/drawing/2010/main" w="9525">
+                <a14:hiddenLine xmlns:a14="http://schemas.microsoft.com/office/drawing/2010/main" xmlns="" w="9525">
                   <a:solidFill>
                     <a:srgbClr val="000000"/>
                   </a:solidFill>
@@ -1780,7 +2656,7 @@
             </a:ln>
             <a:extLst>
               <a:ext uri="{91240B29-F687-4f45-9708-019B960494DF}">
-                <a14:hiddenLine xmlns="" xmlns:a14="http://schemas.microsoft.com/office/drawing/2010/main" w="9525">
+                <a14:hiddenLine xmlns:a14="http://schemas.microsoft.com/office/drawing/2010/main" xmlns="" w="9525">
                   <a:solidFill>
                     <a:srgbClr val="000000"/>
                   </a:solidFill>
@@ -1870,7 +2746,7 @@
             </a:ln>
             <a:extLst>
               <a:ext uri="{91240B29-F687-4f45-9708-019B960494DF}">
-                <a14:hiddenLine xmlns="" xmlns:a14="http://schemas.microsoft.com/office/drawing/2010/main" w="9525">
+                <a14:hiddenLine xmlns:a14="http://schemas.microsoft.com/office/drawing/2010/main" xmlns="" w="9525">
                   <a:solidFill>
                     <a:srgbClr val="000000"/>
                   </a:solidFill>
@@ -1960,7 +2836,7 @@
             </a:ln>
             <a:extLst>
               <a:ext uri="{91240B29-F687-4f45-9708-019B960494DF}">
-                <a14:hiddenLine xmlns="" xmlns:a14="http://schemas.microsoft.com/office/drawing/2010/main" w="9525">
+                <a14:hiddenLine xmlns:a14="http://schemas.microsoft.com/office/drawing/2010/main" xmlns="" w="9525">
                   <a:solidFill>
                     <a:srgbClr val="000000"/>
                   </a:solidFill>
@@ -2022,7 +2898,7 @@
             </a:ln>
             <a:extLst>
               <a:ext uri="{91240B29-F687-4f45-9708-019B960494DF}">
-                <a14:hiddenLine xmlns="" xmlns:a14="http://schemas.microsoft.com/office/drawing/2010/main" w="9525">
+                <a14:hiddenLine xmlns:a14="http://schemas.microsoft.com/office/drawing/2010/main" xmlns="" w="9525">
                   <a:solidFill>
                     <a:srgbClr val="000000"/>
                   </a:solidFill>
@@ -2132,7 +3008,7 @@
             </a:ln>
             <a:extLst>
               <a:ext uri="{91240B29-F687-4f45-9708-019B960494DF}">
-                <a14:hiddenLine xmlns="" xmlns:a14="http://schemas.microsoft.com/office/drawing/2010/main" w="9525">
+                <a14:hiddenLine xmlns:a14="http://schemas.microsoft.com/office/drawing/2010/main" xmlns="" w="9525">
                   <a:solidFill>
                     <a:srgbClr val="000000"/>
                   </a:solidFill>
@@ -2194,7 +3070,7 @@
             </a:ln>
             <a:extLst>
               <a:ext uri="{91240B29-F687-4f45-9708-019B960494DF}">
-                <a14:hiddenLine xmlns="" xmlns:a14="http://schemas.microsoft.com/office/drawing/2010/main" w="9525">
+                <a14:hiddenLine xmlns:a14="http://schemas.microsoft.com/office/drawing/2010/main" xmlns="" w="9525">
                   <a:solidFill>
                     <a:srgbClr val="000000"/>
                   </a:solidFill>
@@ -2284,7 +3160,7 @@
             </a:ln>
             <a:extLst>
               <a:ext uri="{91240B29-F687-4f45-9708-019B960494DF}">
-                <a14:hiddenLine xmlns="" xmlns:a14="http://schemas.microsoft.com/office/drawing/2010/main" w="9525">
+                <a14:hiddenLine xmlns:a14="http://schemas.microsoft.com/office/drawing/2010/main" xmlns="" w="9525">
                   <a:solidFill>
                     <a:srgbClr val="000000"/>
                   </a:solidFill>
@@ -2374,7 +3250,7 @@
             </a:ln>
             <a:extLst>
               <a:ext uri="{91240B29-F687-4f45-9708-019B960494DF}">
-                <a14:hiddenLine xmlns="" xmlns:a14="http://schemas.microsoft.com/office/drawing/2010/main" w="9525">
+                <a14:hiddenLine xmlns:a14="http://schemas.microsoft.com/office/drawing/2010/main" xmlns="" w="9525">
                   <a:solidFill>
                     <a:srgbClr val="000000"/>
                   </a:solidFill>
@@ -2436,7 +3312,7 @@
             </a:ln>
             <a:extLst>
               <a:ext uri="{91240B29-F687-4f45-9708-019B960494DF}">
-                <a14:hiddenLine xmlns="" xmlns:a14="http://schemas.microsoft.com/office/drawing/2010/main" w="9525">
+                <a14:hiddenLine xmlns:a14="http://schemas.microsoft.com/office/drawing/2010/main" xmlns="" w="9525">
                   <a:solidFill>
                     <a:srgbClr val="000000"/>
                   </a:solidFill>
@@ -2526,7 +3402,7 @@
             </a:ln>
             <a:extLst>
               <a:ext uri="{91240B29-F687-4f45-9708-019B960494DF}">
-                <a14:hiddenLine xmlns="" xmlns:a14="http://schemas.microsoft.com/office/drawing/2010/main" w="9525">
+                <a14:hiddenLine xmlns:a14="http://schemas.microsoft.com/office/drawing/2010/main" xmlns="" w="9525">
                   <a:solidFill>
                     <a:srgbClr val="000000"/>
                   </a:solidFill>
@@ -2616,7 +3492,7 @@
             </a:ln>
             <a:extLst>
               <a:ext uri="{91240B29-F687-4f45-9708-019B960494DF}">
-                <a14:hiddenLine xmlns="" xmlns:a14="http://schemas.microsoft.com/office/drawing/2010/main" w="9525">
+                <a14:hiddenLine xmlns:a14="http://schemas.microsoft.com/office/drawing/2010/main" xmlns="" w="9525">
                   <a:solidFill>
                     <a:srgbClr val="000000"/>
                   </a:solidFill>
@@ -2672,7 +3548,7 @@
             </a:ln>
             <a:extLst>
               <a:ext uri="{91240B29-F687-4f45-9708-019B960494DF}">
-                <a14:hiddenLine xmlns="" xmlns:a14="http://schemas.microsoft.com/office/drawing/2010/main" w="9525">
+                <a14:hiddenLine xmlns:a14="http://schemas.microsoft.com/office/drawing/2010/main" xmlns="" w="9525">
                   <a:solidFill>
                     <a:srgbClr val="000000"/>
                   </a:solidFill>
@@ -2762,7 +3638,7 @@
             </a:ln>
             <a:extLst>
               <a:ext uri="{91240B29-F687-4f45-9708-019B960494DF}">
-                <a14:hiddenLine xmlns="" xmlns:a14="http://schemas.microsoft.com/office/drawing/2010/main" w="9525">
+                <a14:hiddenLine xmlns:a14="http://schemas.microsoft.com/office/drawing/2010/main" xmlns="" w="9525">
                   <a:solidFill>
                     <a:srgbClr val="000000"/>
                   </a:solidFill>
@@ -2818,7 +3694,7 @@
             </a:ln>
             <a:extLst>
               <a:ext uri="{91240B29-F687-4f45-9708-019B960494DF}">
-                <a14:hiddenLine xmlns="" xmlns:a14="http://schemas.microsoft.com/office/drawing/2010/main" w="9525">
+                <a14:hiddenLine xmlns:a14="http://schemas.microsoft.com/office/drawing/2010/main" xmlns="" w="9525">
                   <a:solidFill>
                     <a:srgbClr val="000000"/>
                   </a:solidFill>
@@ -2908,7 +3784,7 @@
             </a:ln>
             <a:extLst>
               <a:ext uri="{91240B29-F687-4f45-9708-019B960494DF}">
-                <a14:hiddenLine xmlns="" xmlns:a14="http://schemas.microsoft.com/office/drawing/2010/main" w="9525">
+                <a14:hiddenLine xmlns:a14="http://schemas.microsoft.com/office/drawing/2010/main" xmlns="" w="9525">
                   <a:solidFill>
                     <a:srgbClr val="000000"/>
                   </a:solidFill>
@@ -2976,7 +3852,7 @@
             </a:ln>
             <a:extLst>
               <a:ext uri="{91240B29-F687-4f45-9708-019B960494DF}">
-                <a14:hiddenLine xmlns="" xmlns:a14="http://schemas.microsoft.com/office/drawing/2010/main" w="9525">
+                <a14:hiddenLine xmlns:a14="http://schemas.microsoft.com/office/drawing/2010/main" xmlns="" w="9525">
                   <a:solidFill>
                     <a:srgbClr val="000000"/>
                   </a:solidFill>
@@ -3066,7 +3942,7 @@
             </a:ln>
             <a:extLst>
               <a:ext uri="{91240B29-F687-4f45-9708-019B960494DF}">
-                <a14:hiddenLine xmlns="" xmlns:a14="http://schemas.microsoft.com/office/drawing/2010/main" w="9525">
+                <a14:hiddenLine xmlns:a14="http://schemas.microsoft.com/office/drawing/2010/main" xmlns="" w="9525">
                   <a:solidFill>
                     <a:srgbClr val="000000"/>
                   </a:solidFill>
@@ -3134,7 +4010,7 @@
             </a:ln>
             <a:extLst>
               <a:ext uri="{91240B29-F687-4f45-9708-019B960494DF}">
-                <a14:hiddenLine xmlns="" xmlns:a14="http://schemas.microsoft.com/office/drawing/2010/main" w="9525">
+                <a14:hiddenLine xmlns:a14="http://schemas.microsoft.com/office/drawing/2010/main" xmlns="" w="9525">
                   <a:solidFill>
                     <a:srgbClr val="000000"/>
                   </a:solidFill>
@@ -3224,7 +4100,7 @@
             </a:ln>
             <a:extLst>
               <a:ext uri="{91240B29-F687-4f45-9708-019B960494DF}">
-                <a14:hiddenLine xmlns="" xmlns:a14="http://schemas.microsoft.com/office/drawing/2010/main" w="9525">
+                <a14:hiddenLine xmlns:a14="http://schemas.microsoft.com/office/drawing/2010/main" xmlns="" w="9525">
                   <a:solidFill>
                     <a:srgbClr val="000000"/>
                   </a:solidFill>
@@ -3258,7 +4134,7 @@
             </a:ln>
             <a:extLst>
               <a:ext uri="{91240B29-F687-4f45-9708-019B960494DF}">
-                <a14:hiddenLine xmlns="" xmlns:a14="http://schemas.microsoft.com/office/drawing/2010/main" w="9525">
+                <a14:hiddenLine xmlns:a14="http://schemas.microsoft.com/office/drawing/2010/main" xmlns="" w="9525">
                   <a:solidFill>
                     <a:srgbClr val="000000"/>
                   </a:solidFill>
@@ -3348,7 +4224,7 @@
             </a:ln>
             <a:extLst>
               <a:ext uri="{91240B29-F687-4f45-9708-019B960494DF}">
-                <a14:hiddenLine xmlns="" xmlns:a14="http://schemas.microsoft.com/office/drawing/2010/main" w="9525">
+                <a14:hiddenLine xmlns:a14="http://schemas.microsoft.com/office/drawing/2010/main" xmlns="" w="9525">
                   <a:solidFill>
                     <a:srgbClr val="000000"/>
                   </a:solidFill>
@@ -3410,7 +4286,7 @@
             </a:ln>
             <a:extLst>
               <a:ext uri="{91240B29-F687-4f45-9708-019B960494DF}">
-                <a14:hiddenLine xmlns="" xmlns:a14="http://schemas.microsoft.com/office/drawing/2010/main" w="9525">
+                <a14:hiddenLine xmlns:a14="http://schemas.microsoft.com/office/drawing/2010/main" xmlns="" w="9525">
                   <a:solidFill>
                     <a:srgbClr val="000000"/>
                   </a:solidFill>
@@ -3472,7 +4348,7 @@
             </a:ln>
             <a:extLst>
               <a:ext uri="{91240B29-F687-4f45-9708-019B960494DF}">
-                <a14:hiddenLine xmlns="" xmlns:a14="http://schemas.microsoft.com/office/drawing/2010/main" w="9525">
+                <a14:hiddenLine xmlns:a14="http://schemas.microsoft.com/office/drawing/2010/main" xmlns="" w="9525">
                   <a:solidFill>
                     <a:srgbClr val="000000"/>
                   </a:solidFill>
@@ -3562,7 +4438,7 @@
             </a:ln>
             <a:extLst>
               <a:ext uri="{91240B29-F687-4f45-9708-019B960494DF}">
-                <a14:hiddenLine xmlns="" xmlns:a14="http://schemas.microsoft.com/office/drawing/2010/main" w="9525">
+                <a14:hiddenLine xmlns:a14="http://schemas.microsoft.com/office/drawing/2010/main" xmlns="" w="9525">
                   <a:solidFill>
                     <a:srgbClr val="000000"/>
                   </a:solidFill>
@@ -3630,7 +4506,7 @@
             </a:ln>
             <a:extLst>
               <a:ext uri="{91240B29-F687-4f45-9708-019B960494DF}">
-                <a14:hiddenLine xmlns="" xmlns:a14="http://schemas.microsoft.com/office/drawing/2010/main" w="9525">
+                <a14:hiddenLine xmlns:a14="http://schemas.microsoft.com/office/drawing/2010/main" xmlns="" w="9525">
                   <a:solidFill>
                     <a:srgbClr val="000000"/>
                   </a:solidFill>
@@ -3692,7 +4568,7 @@
             </a:ln>
             <a:extLst>
               <a:ext uri="{91240B29-F687-4f45-9708-019B960494DF}">
-                <a14:hiddenLine xmlns="" xmlns:a14="http://schemas.microsoft.com/office/drawing/2010/main" w="9525">
+                <a14:hiddenLine xmlns:a14="http://schemas.microsoft.com/office/drawing/2010/main" xmlns="" w="9525">
                   <a:solidFill>
                     <a:srgbClr val="000000"/>
                   </a:solidFill>
@@ -3782,7 +4658,7 @@
             </a:ln>
             <a:extLst>
               <a:ext uri="{91240B29-F687-4f45-9708-019B960494DF}">
-                <a14:hiddenLine xmlns="" xmlns:a14="http://schemas.microsoft.com/office/drawing/2010/main" w="9525">
+                <a14:hiddenLine xmlns:a14="http://schemas.microsoft.com/office/drawing/2010/main" xmlns="" w="9525">
                   <a:solidFill>
                     <a:srgbClr val="000000"/>
                   </a:solidFill>
@@ -3844,7 +4720,7 @@
             </a:ln>
             <a:extLst>
               <a:ext uri="{91240B29-F687-4f45-9708-019B960494DF}">
-                <a14:hiddenLine xmlns="" xmlns:a14="http://schemas.microsoft.com/office/drawing/2010/main" w="9525">
+                <a14:hiddenLine xmlns:a14="http://schemas.microsoft.com/office/drawing/2010/main" xmlns="" w="9525">
                   <a:solidFill>
                     <a:srgbClr val="000000"/>
                   </a:solidFill>
@@ -3934,7 +4810,7 @@
             </a:ln>
             <a:extLst>
               <a:ext uri="{91240B29-F687-4f45-9708-019B960494DF}">
-                <a14:hiddenLine xmlns="" xmlns:a14="http://schemas.microsoft.com/office/drawing/2010/main" w="9525">
+                <a14:hiddenLine xmlns:a14="http://schemas.microsoft.com/office/drawing/2010/main" xmlns="" w="9525">
                   <a:solidFill>
                     <a:srgbClr val="000000"/>
                   </a:solidFill>
@@ -3996,7 +4872,7 @@
             </a:ln>
             <a:extLst>
               <a:ext uri="{91240B29-F687-4f45-9708-019B960494DF}">
-                <a14:hiddenLine xmlns="" xmlns:a14="http://schemas.microsoft.com/office/drawing/2010/main" w="9525">
+                <a14:hiddenLine xmlns:a14="http://schemas.microsoft.com/office/drawing/2010/main" xmlns="" w="9525">
                   <a:solidFill>
                     <a:srgbClr val="000000"/>
                   </a:solidFill>
@@ -4086,7 +4962,7 @@
             </a:ln>
             <a:extLst>
               <a:ext uri="{91240B29-F687-4f45-9708-019B960494DF}">
-                <a14:hiddenLine xmlns="" xmlns:a14="http://schemas.microsoft.com/office/drawing/2010/main" w="9525">
+                <a14:hiddenLine xmlns:a14="http://schemas.microsoft.com/office/drawing/2010/main" xmlns="" w="9525">
                   <a:solidFill>
                     <a:srgbClr val="000000"/>
                   </a:solidFill>
@@ -4120,7 +4996,7 @@
             </a:ln>
             <a:extLst>
               <a:ext uri="{91240B29-F687-4f45-9708-019B960494DF}">
-                <a14:hiddenLine xmlns="" xmlns:a14="http://schemas.microsoft.com/office/drawing/2010/main" w="9525">
+                <a14:hiddenLine xmlns:a14="http://schemas.microsoft.com/office/drawing/2010/main" xmlns="" w="9525">
                   <a:solidFill>
                     <a:srgbClr val="000000"/>
                   </a:solidFill>
@@ -4185,7 +5061,7 @@
             </a:ln>
             <a:extLst>
               <a:ext uri="{91240B29-F687-4f45-9708-019B960494DF}">
-                <a14:hiddenLine xmlns="" xmlns:a14="http://schemas.microsoft.com/office/drawing/2010/main" w="9525">
+                <a14:hiddenLine xmlns:a14="http://schemas.microsoft.com/office/drawing/2010/main" xmlns="" w="9525">
                   <a:solidFill>
                     <a:srgbClr val="000000"/>
                   </a:solidFill>
@@ -4275,7 +5151,7 @@
             </a:ln>
             <a:extLst>
               <a:ext uri="{91240B29-F687-4f45-9708-019B960494DF}">
-                <a14:hiddenLine xmlns="" xmlns:a14="http://schemas.microsoft.com/office/drawing/2010/main" w="9525">
+                <a14:hiddenLine xmlns:a14="http://schemas.microsoft.com/office/drawing/2010/main" xmlns="" w="9525">
                   <a:solidFill>
                     <a:srgbClr val="000000"/>
                   </a:solidFill>
@@ -4337,7 +5213,7 @@
             </a:ln>
             <a:extLst>
               <a:ext uri="{91240B29-F687-4f45-9708-019B960494DF}">
-                <a14:hiddenLine xmlns="" xmlns:a14="http://schemas.microsoft.com/office/drawing/2010/main" w="9525">
+                <a14:hiddenLine xmlns:a14="http://schemas.microsoft.com/office/drawing/2010/main" xmlns="" w="9525">
                   <a:solidFill>
                     <a:srgbClr val="000000"/>
                   </a:solidFill>
@@ -4427,7 +5303,7 @@
             </a:ln>
             <a:extLst>
               <a:ext uri="{91240B29-F687-4f45-9708-019B960494DF}">
-                <a14:hiddenLine xmlns="" xmlns:a14="http://schemas.microsoft.com/office/drawing/2010/main" w="9525">
+                <a14:hiddenLine xmlns:a14="http://schemas.microsoft.com/office/drawing/2010/main" xmlns="" w="9525">
                   <a:solidFill>
                     <a:srgbClr val="000000"/>
                   </a:solidFill>
@@ -4517,7 +5393,7 @@
             </a:ln>
             <a:extLst>
               <a:ext uri="{91240B29-F687-4f45-9708-019B960494DF}">
-                <a14:hiddenLine xmlns="" xmlns:a14="http://schemas.microsoft.com/office/drawing/2010/main" w="9525">
+                <a14:hiddenLine xmlns:a14="http://schemas.microsoft.com/office/drawing/2010/main" xmlns="" w="9525">
                   <a:solidFill>
                     <a:srgbClr val="000000"/>
                   </a:solidFill>
@@ -4582,7 +5458,7 @@
             </a:ln>
             <a:extLst>
               <a:ext uri="{91240B29-F687-4f45-9708-019B960494DF}">
-                <a14:hiddenLine xmlns="" xmlns:a14="http://schemas.microsoft.com/office/drawing/2010/main" w="9525">
+                <a14:hiddenLine xmlns:a14="http://schemas.microsoft.com/office/drawing/2010/main" xmlns="" w="9525">
                   <a:solidFill>
                     <a:srgbClr val="000000"/>
                   </a:solidFill>
@@ -4644,7 +5520,7 @@
             </a:ln>
             <a:extLst>
               <a:ext uri="{91240B29-F687-4f45-9708-019B960494DF}">
-                <a14:hiddenLine xmlns="" xmlns:a14="http://schemas.microsoft.com/office/drawing/2010/main" w="9525">
+                <a14:hiddenLine xmlns:a14="http://schemas.microsoft.com/office/drawing/2010/main" xmlns="" w="9525">
                   <a:solidFill>
                     <a:srgbClr val="000000"/>
                   </a:solidFill>
@@ -4734,7 +5610,7 @@
             </a:ln>
             <a:extLst>
               <a:ext uri="{91240B29-F687-4f45-9708-019B960494DF}">
-                <a14:hiddenLine xmlns="" xmlns:a14="http://schemas.microsoft.com/office/drawing/2010/main" w="9525">
+                <a14:hiddenLine xmlns:a14="http://schemas.microsoft.com/office/drawing/2010/main" xmlns="" w="9525">
                   <a:solidFill>
                     <a:srgbClr val="000000"/>
                   </a:solidFill>
@@ -4824,7 +5700,7 @@
             </a:ln>
             <a:extLst>
               <a:ext uri="{91240B29-F687-4f45-9708-019B960494DF}">
-                <a14:hiddenLine xmlns="" xmlns:a14="http://schemas.microsoft.com/office/drawing/2010/main" w="9525">
+                <a14:hiddenLine xmlns:a14="http://schemas.microsoft.com/office/drawing/2010/main" xmlns="" w="9525">
                   <a:solidFill>
                     <a:srgbClr val="000000"/>
                   </a:solidFill>
@@ -4886,7 +5762,7 @@
             </a:ln>
             <a:extLst>
               <a:ext uri="{91240B29-F687-4f45-9708-019B960494DF}">
-                <a14:hiddenLine xmlns="" xmlns:a14="http://schemas.microsoft.com/office/drawing/2010/main" w="9525">
+                <a14:hiddenLine xmlns:a14="http://schemas.microsoft.com/office/drawing/2010/main" xmlns="" w="9525">
                   <a:solidFill>
                     <a:srgbClr val="000000"/>
                   </a:solidFill>
@@ -5006,7 +5882,7 @@
             </a:ln>
             <a:extLst>
               <a:ext uri="{91240B29-F687-4f45-9708-019B960494DF}">
-                <a14:hiddenLine xmlns="" xmlns:a14="http://schemas.microsoft.com/office/drawing/2010/main" w="9525">
+                <a14:hiddenLine xmlns:a14="http://schemas.microsoft.com/office/drawing/2010/main" xmlns="" w="9525">
                   <a:solidFill>
                     <a:srgbClr val="000000"/>
                   </a:solidFill>
@@ -5074,7 +5950,7 @@
             </a:ln>
             <a:extLst>
               <a:ext uri="{91240B29-F687-4f45-9708-019B960494DF}">
-                <a14:hiddenLine xmlns="" xmlns:a14="http://schemas.microsoft.com/office/drawing/2010/main" w="9525">
+                <a14:hiddenLine xmlns:a14="http://schemas.microsoft.com/office/drawing/2010/main" xmlns="" w="9525">
                   <a:solidFill>
                     <a:srgbClr val="000000"/>
                   </a:solidFill>
@@ -5164,7 +6040,7 @@
             </a:ln>
             <a:extLst>
               <a:ext uri="{91240B29-F687-4f45-9708-019B960494DF}">
-                <a14:hiddenLine xmlns="" xmlns:a14="http://schemas.microsoft.com/office/drawing/2010/main" w="9525">
+                <a14:hiddenLine xmlns:a14="http://schemas.microsoft.com/office/drawing/2010/main" xmlns="" w="9525">
                   <a:solidFill>
                     <a:srgbClr val="000000"/>
                   </a:solidFill>
@@ -5304,7 +6180,7 @@
           <a:p>
             <a:fld id="{A8BB1FF1-D59F-446B-A157-018450B0BCCF}" type="datetime1">
               <a:rPr lang="nl-NL" smtClean="0"/>
-              <a:t>10-1-2022</a:t>
+              <a:t>14-1-2022</a:t>
             </a:fld>
             <a:endParaRPr lang="nl-NL"/>
           </a:p>
@@ -5571,7 +6447,7 @@
           <a:p>
             <a:fld id="{43E21741-8976-49B4-BC64-92132AF3E845}" type="datetime1">
               <a:rPr lang="nl-NL" smtClean="0"/>
-              <a:t>10-1-2022</a:t>
+              <a:t>14-1-2022</a:t>
             </a:fld>
             <a:endParaRPr lang="nl-NL"/>
           </a:p>
@@ -5767,7 +6643,7 @@
           <a:p>
             <a:fld id="{F52F6747-2666-49C5-82AD-EEBB93F70C91}" type="datetime1">
               <a:rPr lang="nl-NL" smtClean="0"/>
-              <a:t>10-1-2022</a:t>
+              <a:t>14-1-2022</a:t>
             </a:fld>
             <a:endParaRPr lang="nl-NL"/>
           </a:p>
@@ -6030,7 +6906,7 @@
           <a:p>
             <a:fld id="{37A757F2-0100-4C5A-AF4D-B481DBE9FDDE}" type="datetime1">
               <a:rPr lang="nl-NL" smtClean="0"/>
-              <a:t>10-1-2022</a:t>
+              <a:t>14-1-2022</a:t>
             </a:fld>
             <a:endParaRPr lang="nl-NL"/>
           </a:p>
@@ -6464,7 +7340,7 @@
           <a:p>
             <a:fld id="{64C00E70-B78C-411B-9271-ABC52C9B90E9}" type="datetime1">
               <a:rPr lang="nl-NL" smtClean="0"/>
-              <a:t>10-1-2022</a:t>
+              <a:t>14-1-2022</a:t>
             </a:fld>
             <a:endParaRPr lang="nl-NL"/>
           </a:p>
@@ -7010,7 +7886,7 @@
           <a:p>
             <a:fld id="{17E24D75-3D3E-4955-9D4A-7A628AF94766}" type="datetime1">
               <a:rPr lang="nl-NL" smtClean="0"/>
-              <a:t>10-1-2022</a:t>
+              <a:t>14-1-2022</a:t>
             </a:fld>
             <a:endParaRPr lang="nl-NL"/>
           </a:p>
@@ -7730,7 +8606,7 @@
           <a:p>
             <a:fld id="{28937C09-98FB-4CC7-BFA7-9BC20598A37C}" type="datetime1">
               <a:rPr lang="nl-NL" smtClean="0"/>
-              <a:t>10-1-2022</a:t>
+              <a:t>14-1-2022</a:t>
             </a:fld>
             <a:endParaRPr lang="nl-NL"/>
           </a:p>
@@ -7900,7 +8776,7 @@
           <a:p>
             <a:fld id="{BADDC4D4-9BEB-4BBB-8064-C84E9A2282E5}" type="datetime1">
               <a:rPr lang="nl-NL" smtClean="0"/>
-              <a:t>10-1-2022</a:t>
+              <a:t>14-1-2022</a:t>
             </a:fld>
             <a:endParaRPr lang="nl-NL"/>
           </a:p>
@@ -8080,7 +8956,7 @@
           <a:p>
             <a:fld id="{F86D70E3-3005-4767-A806-7B98089A71CB}" type="datetime1">
               <a:rPr lang="nl-NL" smtClean="0"/>
-              <a:t>10-1-2022</a:t>
+              <a:t>14-1-2022</a:t>
             </a:fld>
             <a:endParaRPr lang="nl-NL"/>
           </a:p>
@@ -8250,7 +9126,7 @@
           <a:p>
             <a:fld id="{E6B2DC03-1520-4ED8-97A9-DAB6B2024E09}" type="datetime1">
               <a:rPr lang="nl-NL" smtClean="0"/>
-              <a:t>10-1-2022</a:t>
+              <a:t>14-1-2022</a:t>
             </a:fld>
             <a:endParaRPr lang="nl-NL"/>
           </a:p>
@@ -8500,7 +9376,7 @@
           <a:p>
             <a:fld id="{1BCA9303-0FB8-4AE3-8A4E-D1282F16FC61}" type="datetime1">
               <a:rPr lang="nl-NL" smtClean="0"/>
-              <a:t>10-1-2022</a:t>
+              <a:t>14-1-2022</a:t>
             </a:fld>
             <a:endParaRPr lang="nl-NL"/>
           </a:p>
@@ -8732,7 +9608,7 @@
           <a:p>
             <a:fld id="{6D9BF968-CCD4-4420-9EBB-D7A0AD1E83ED}" type="datetime1">
               <a:rPr lang="nl-NL" smtClean="0"/>
-              <a:t>10-1-2022</a:t>
+              <a:t>14-1-2022</a:t>
             </a:fld>
             <a:endParaRPr lang="nl-NL"/>
           </a:p>
@@ -9113,7 +9989,7 @@
           <a:p>
             <a:fld id="{D9653CFC-A7A5-4C9D-BFC1-F5A2BE3C136A}" type="datetime1">
               <a:rPr lang="nl-NL" smtClean="0"/>
-              <a:t>10-1-2022</a:t>
+              <a:t>14-1-2022</a:t>
             </a:fld>
             <a:endParaRPr lang="nl-NL"/>
           </a:p>
@@ -9231,7 +10107,7 @@
           <a:p>
             <a:fld id="{0EEDEB5C-FCC1-4E9A-B46D-13FFFA956649}" type="datetime1">
               <a:rPr lang="nl-NL" smtClean="0"/>
-              <a:t>10-1-2022</a:t>
+              <a:t>14-1-2022</a:t>
             </a:fld>
             <a:endParaRPr lang="nl-NL"/>
           </a:p>
@@ -9326,7 +10202,7 @@
           <a:p>
             <a:fld id="{AB529AC0-19BB-4323-9677-0F4DDAE4C203}" type="datetime1">
               <a:rPr lang="nl-NL" smtClean="0"/>
-              <a:t>10-1-2022</a:t>
+              <a:t>14-1-2022</a:t>
             </a:fld>
             <a:endParaRPr lang="nl-NL"/>
           </a:p>
@@ -9575,7 +10451,7 @@
           <a:p>
             <a:fld id="{4D25DD7A-C97C-4416-A61E-7AF6D6E70FF8}" type="datetime1">
               <a:rPr lang="nl-NL" smtClean="0"/>
-              <a:t>10-1-2022</a:t>
+              <a:t>14-1-2022</a:t>
             </a:fld>
             <a:endParaRPr lang="nl-NL"/>
           </a:p>
@@ -9855,7 +10731,7 @@
           <a:p>
             <a:fld id="{F5DB840A-0365-4799-9850-DA85C984FEA4}" type="datetime1">
               <a:rPr lang="nl-NL" smtClean="0"/>
-              <a:t>10-1-2022</a:t>
+              <a:t>14-1-2022</a:t>
             </a:fld>
             <a:endParaRPr lang="nl-NL"/>
           </a:p>
@@ -9971,7 +10847,7 @@
           <a:noFill/>
           <a:extLst>
             <a:ext uri="{909E8E84-426E-40dd-AFC4-6F175D3DCCD1}">
-              <a14:hiddenFill xmlns="" xmlns:a14="http://schemas.microsoft.com/office/drawing/2010/main">
+              <a14:hiddenFill xmlns:a14="http://schemas.microsoft.com/office/drawing/2010/main" xmlns="">
                 <a:solidFill>
                   <a:srgbClr val="FFFFFF"/>
                 </a:solidFill>
@@ -10045,7 +10921,7 @@
               </a:ln>
               <a:extLst>
                 <a:ext uri="{91240B29-F687-4f45-9708-019B960494DF}">
-                  <a14:hiddenLine xmlns="" xmlns:a14="http://schemas.microsoft.com/office/drawing/2010/main" w="9525">
+                  <a14:hiddenLine xmlns:a14="http://schemas.microsoft.com/office/drawing/2010/main" xmlns="" w="9525">
                     <a:solidFill>
                       <a:srgbClr val="000000"/>
                     </a:solidFill>
@@ -10135,7 +11011,7 @@
               </a:ln>
               <a:extLst>
                 <a:ext uri="{91240B29-F687-4f45-9708-019B960494DF}">
-                  <a14:hiddenLine xmlns="" xmlns:a14="http://schemas.microsoft.com/office/drawing/2010/main" w="9525">
+                  <a14:hiddenLine xmlns:a14="http://schemas.microsoft.com/office/drawing/2010/main" xmlns="" w="9525">
                     <a:solidFill>
                       <a:srgbClr val="000000"/>
                     </a:solidFill>
@@ -10225,7 +11101,7 @@
               </a:ln>
               <a:extLst>
                 <a:ext uri="{91240B29-F687-4f45-9708-019B960494DF}">
-                  <a14:hiddenLine xmlns="" xmlns:a14="http://schemas.microsoft.com/office/drawing/2010/main" w="9525">
+                  <a14:hiddenLine xmlns:a14="http://schemas.microsoft.com/office/drawing/2010/main" xmlns="" w="9525">
                     <a:solidFill>
                       <a:srgbClr val="000000"/>
                     </a:solidFill>
@@ -10287,7 +11163,7 @@
               </a:ln>
               <a:extLst>
                 <a:ext uri="{91240B29-F687-4f45-9708-019B960494DF}">
-                  <a14:hiddenLine xmlns="" xmlns:a14="http://schemas.microsoft.com/office/drawing/2010/main" w="9525">
+                  <a14:hiddenLine xmlns:a14="http://schemas.microsoft.com/office/drawing/2010/main" xmlns="" w="9525">
                     <a:solidFill>
                       <a:srgbClr val="000000"/>
                     </a:solidFill>
@@ -10377,7 +11253,7 @@
               </a:ln>
               <a:extLst>
                 <a:ext uri="{91240B29-F687-4f45-9708-019B960494DF}">
-                  <a14:hiddenLine xmlns="" xmlns:a14="http://schemas.microsoft.com/office/drawing/2010/main" w="9525">
+                  <a14:hiddenLine xmlns:a14="http://schemas.microsoft.com/office/drawing/2010/main" xmlns="" w="9525">
                     <a:solidFill>
                       <a:srgbClr val="000000"/>
                     </a:solidFill>
@@ -10439,7 +11315,7 @@
               </a:ln>
               <a:extLst>
                 <a:ext uri="{91240B29-F687-4f45-9708-019B960494DF}">
-                  <a14:hiddenLine xmlns="" xmlns:a14="http://schemas.microsoft.com/office/drawing/2010/main" w="9525">
+                  <a14:hiddenLine xmlns:a14="http://schemas.microsoft.com/office/drawing/2010/main" xmlns="" w="9525">
                     <a:solidFill>
                       <a:srgbClr val="000000"/>
                     </a:solidFill>
@@ -10501,7 +11377,7 @@
               </a:ln>
               <a:extLst>
                 <a:ext uri="{91240B29-F687-4f45-9708-019B960494DF}">
-                  <a14:hiddenLine xmlns="" xmlns:a14="http://schemas.microsoft.com/office/drawing/2010/main" w="9525">
+                  <a14:hiddenLine xmlns:a14="http://schemas.microsoft.com/office/drawing/2010/main" xmlns="" w="9525">
                     <a:solidFill>
                       <a:srgbClr val="000000"/>
                     </a:solidFill>
@@ -10591,7 +11467,7 @@
               </a:ln>
               <a:extLst>
                 <a:ext uri="{91240B29-F687-4f45-9708-019B960494DF}">
-                  <a14:hiddenLine xmlns="" xmlns:a14="http://schemas.microsoft.com/office/drawing/2010/main" w="9525">
+                  <a14:hiddenLine xmlns:a14="http://schemas.microsoft.com/office/drawing/2010/main" xmlns="" w="9525">
                     <a:solidFill>
                       <a:srgbClr val="000000"/>
                     </a:solidFill>
@@ -10681,7 +11557,7 @@
               </a:ln>
               <a:extLst>
                 <a:ext uri="{91240B29-F687-4f45-9708-019B960494DF}">
-                  <a14:hiddenLine xmlns="" xmlns:a14="http://schemas.microsoft.com/office/drawing/2010/main" w="9525">
+                  <a14:hiddenLine xmlns:a14="http://schemas.microsoft.com/office/drawing/2010/main" xmlns="" w="9525">
                     <a:solidFill>
                       <a:srgbClr val="000000"/>
                     </a:solidFill>
@@ -10743,7 +11619,7 @@
               </a:ln>
               <a:extLst>
                 <a:ext uri="{91240B29-F687-4f45-9708-019B960494DF}">
-                  <a14:hiddenLine xmlns="" xmlns:a14="http://schemas.microsoft.com/office/drawing/2010/main" w="9525">
+                  <a14:hiddenLine xmlns:a14="http://schemas.microsoft.com/office/drawing/2010/main" xmlns="" w="9525">
                     <a:solidFill>
                       <a:srgbClr val="000000"/>
                     </a:solidFill>
@@ -10853,7 +11729,7 @@
               </a:ln>
               <a:extLst>
                 <a:ext uri="{91240B29-F687-4f45-9708-019B960494DF}">
-                  <a14:hiddenLine xmlns="" xmlns:a14="http://schemas.microsoft.com/office/drawing/2010/main" w="9525">
+                  <a14:hiddenLine xmlns:a14="http://schemas.microsoft.com/office/drawing/2010/main" xmlns="" w="9525">
                     <a:solidFill>
                       <a:srgbClr val="000000"/>
                     </a:solidFill>
@@ -10937,7 +11813,7 @@
               </a:ln>
               <a:extLst>
                 <a:ext uri="{91240B29-F687-4f45-9708-019B960494DF}">
-                  <a14:hiddenLine xmlns="" xmlns:a14="http://schemas.microsoft.com/office/drawing/2010/main" w="9525">
+                  <a14:hiddenLine xmlns:a14="http://schemas.microsoft.com/office/drawing/2010/main" xmlns="" w="9525">
                     <a:solidFill>
                       <a:srgbClr val="000000"/>
                     </a:solidFill>
@@ -10999,7 +11875,7 @@
               </a:ln>
               <a:extLst>
                 <a:ext uri="{91240B29-F687-4f45-9708-019B960494DF}">
-                  <a14:hiddenLine xmlns="" xmlns:a14="http://schemas.microsoft.com/office/drawing/2010/main" w="9525">
+                  <a14:hiddenLine xmlns:a14="http://schemas.microsoft.com/office/drawing/2010/main" xmlns="" w="9525">
                     <a:solidFill>
                       <a:srgbClr val="000000"/>
                     </a:solidFill>
@@ -11061,7 +11937,7 @@
               </a:ln>
               <a:extLst>
                 <a:ext uri="{91240B29-F687-4f45-9708-019B960494DF}">
-                  <a14:hiddenLine xmlns="" xmlns:a14="http://schemas.microsoft.com/office/drawing/2010/main" w="9525">
+                  <a14:hiddenLine xmlns:a14="http://schemas.microsoft.com/office/drawing/2010/main" xmlns="" w="9525">
                     <a:solidFill>
                       <a:srgbClr val="000000"/>
                     </a:solidFill>
@@ -11151,7 +12027,7 @@
               </a:ln>
               <a:extLst>
                 <a:ext uri="{91240B29-F687-4f45-9708-019B960494DF}">
-                  <a14:hiddenLine xmlns="" xmlns:a14="http://schemas.microsoft.com/office/drawing/2010/main" w="9525">
+                  <a14:hiddenLine xmlns:a14="http://schemas.microsoft.com/office/drawing/2010/main" xmlns="" w="9525">
                     <a:solidFill>
                       <a:srgbClr val="000000"/>
                     </a:solidFill>
@@ -11185,7 +12061,7 @@
               </a:ln>
               <a:extLst>
                 <a:ext uri="{91240B29-F687-4f45-9708-019B960494DF}">
-                  <a14:hiddenLine xmlns="" xmlns:a14="http://schemas.microsoft.com/office/drawing/2010/main" w="9525">
+                  <a14:hiddenLine xmlns:a14="http://schemas.microsoft.com/office/drawing/2010/main" xmlns="" w="9525">
                     <a:solidFill>
                       <a:srgbClr val="000000"/>
                     </a:solidFill>
@@ -11250,7 +12126,7 @@
               </a:ln>
               <a:extLst>
                 <a:ext uri="{91240B29-F687-4f45-9708-019B960494DF}">
-                  <a14:hiddenLine xmlns="" xmlns:a14="http://schemas.microsoft.com/office/drawing/2010/main" w="9525">
+                  <a14:hiddenLine xmlns:a14="http://schemas.microsoft.com/office/drawing/2010/main" xmlns="" w="9525">
                     <a:solidFill>
                       <a:srgbClr val="000000"/>
                     </a:solidFill>
@@ -11340,7 +12216,7 @@
               </a:ln>
               <a:extLst>
                 <a:ext uri="{91240B29-F687-4f45-9708-019B960494DF}">
-                  <a14:hiddenLine xmlns="" xmlns:a14="http://schemas.microsoft.com/office/drawing/2010/main" w="9525">
+                  <a14:hiddenLine xmlns:a14="http://schemas.microsoft.com/office/drawing/2010/main" xmlns="" w="9525">
                     <a:solidFill>
                       <a:srgbClr val="000000"/>
                     </a:solidFill>
@@ -11402,7 +12278,7 @@
               </a:ln>
               <a:extLst>
                 <a:ext uri="{91240B29-F687-4f45-9708-019B960494DF}">
-                  <a14:hiddenLine xmlns="" xmlns:a14="http://schemas.microsoft.com/office/drawing/2010/main" w="9525">
+                  <a14:hiddenLine xmlns:a14="http://schemas.microsoft.com/office/drawing/2010/main" xmlns="" w="9525">
                     <a:solidFill>
                       <a:srgbClr val="000000"/>
                     </a:solidFill>
@@ -11492,7 +12368,7 @@
               </a:ln>
               <a:extLst>
                 <a:ext uri="{91240B29-F687-4f45-9708-019B960494DF}">
-                  <a14:hiddenLine xmlns="" xmlns:a14="http://schemas.microsoft.com/office/drawing/2010/main" w="9525">
+                  <a14:hiddenLine xmlns:a14="http://schemas.microsoft.com/office/drawing/2010/main" xmlns="" w="9525">
                     <a:solidFill>
                       <a:srgbClr val="000000"/>
                     </a:solidFill>
@@ -11557,7 +12433,7 @@
               </a:ln>
               <a:extLst>
                 <a:ext uri="{91240B29-F687-4f45-9708-019B960494DF}">
-                  <a14:hiddenLine xmlns="" xmlns:a14="http://schemas.microsoft.com/office/drawing/2010/main" w="9525">
+                  <a14:hiddenLine xmlns:a14="http://schemas.microsoft.com/office/drawing/2010/main" xmlns="" w="9525">
                     <a:solidFill>
                       <a:srgbClr val="000000"/>
                     </a:solidFill>
@@ -11619,7 +12495,7 @@
               </a:ln>
               <a:extLst>
                 <a:ext uri="{91240B29-F687-4f45-9708-019B960494DF}">
-                  <a14:hiddenLine xmlns="" xmlns:a14="http://schemas.microsoft.com/office/drawing/2010/main" w="9525">
+                  <a14:hiddenLine xmlns:a14="http://schemas.microsoft.com/office/drawing/2010/main" xmlns="" w="9525">
                     <a:solidFill>
                       <a:srgbClr val="000000"/>
                     </a:solidFill>
@@ -11709,7 +12585,7 @@
               </a:ln>
               <a:extLst>
                 <a:ext uri="{91240B29-F687-4f45-9708-019B960494DF}">
-                  <a14:hiddenLine xmlns="" xmlns:a14="http://schemas.microsoft.com/office/drawing/2010/main" w="9525">
+                  <a14:hiddenLine xmlns:a14="http://schemas.microsoft.com/office/drawing/2010/main" xmlns="" w="9525">
                     <a:solidFill>
                       <a:srgbClr val="000000"/>
                     </a:solidFill>
@@ -11799,7 +12675,7 @@
               </a:ln>
               <a:extLst>
                 <a:ext uri="{91240B29-F687-4f45-9708-019B960494DF}">
-                  <a14:hiddenLine xmlns="" xmlns:a14="http://schemas.microsoft.com/office/drawing/2010/main" w="9525">
+                  <a14:hiddenLine xmlns:a14="http://schemas.microsoft.com/office/drawing/2010/main" xmlns="" w="9525">
                     <a:solidFill>
                       <a:srgbClr val="000000"/>
                     </a:solidFill>
@@ -11864,7 +12740,7 @@
               </a:ln>
               <a:extLst>
                 <a:ext uri="{91240B29-F687-4f45-9708-019B960494DF}">
-                  <a14:hiddenLine xmlns="" xmlns:a14="http://schemas.microsoft.com/office/drawing/2010/main" w="9525">
+                  <a14:hiddenLine xmlns:a14="http://schemas.microsoft.com/office/drawing/2010/main" xmlns="" w="9525">
                     <a:solidFill>
                       <a:srgbClr val="000000"/>
                     </a:solidFill>
@@ -11984,7 +12860,7 @@
               </a:ln>
               <a:extLst>
                 <a:ext uri="{91240B29-F687-4f45-9708-019B960494DF}">
-                  <a14:hiddenLine xmlns="" xmlns:a14="http://schemas.microsoft.com/office/drawing/2010/main" w="9525">
+                  <a14:hiddenLine xmlns:a14="http://schemas.microsoft.com/office/drawing/2010/main" xmlns="" w="9525">
                     <a:solidFill>
                       <a:srgbClr val="000000"/>
                     </a:solidFill>
@@ -12082,7 +12958,7 @@
               </a:ln>
               <a:extLst>
                 <a:ext uri="{91240B29-F687-4f45-9708-019B960494DF}">
-                  <a14:hiddenLine xmlns="" xmlns:a14="http://schemas.microsoft.com/office/drawing/2010/main" w="9525">
+                  <a14:hiddenLine xmlns:a14="http://schemas.microsoft.com/office/drawing/2010/main" xmlns="" w="9525">
                     <a:solidFill>
                       <a:srgbClr val="000000"/>
                     </a:solidFill>
@@ -12197,7 +13073,7 @@
               </a:ln>
               <a:extLst>
                 <a:ext uri="{91240B29-F687-4f45-9708-019B960494DF}">
-                  <a14:hiddenLine xmlns="" xmlns:a14="http://schemas.microsoft.com/office/drawing/2010/main" w="9525">
+                  <a14:hiddenLine xmlns:a14="http://schemas.microsoft.com/office/drawing/2010/main" xmlns="" w="9525">
                     <a:solidFill>
                       <a:srgbClr val="000000"/>
                     </a:solidFill>
@@ -12287,7 +13163,7 @@
               </a:ln>
               <a:extLst>
                 <a:ext uri="{91240B29-F687-4f45-9708-019B960494DF}">
-                  <a14:hiddenLine xmlns="" xmlns:a14="http://schemas.microsoft.com/office/drawing/2010/main" w="9525">
+                  <a14:hiddenLine xmlns:a14="http://schemas.microsoft.com/office/drawing/2010/main" xmlns="" w="9525">
                     <a:solidFill>
                       <a:srgbClr val="000000"/>
                     </a:solidFill>
@@ -12352,7 +13228,7 @@
               </a:ln>
               <a:extLst>
                 <a:ext uri="{91240B29-F687-4f45-9708-019B960494DF}">
-                  <a14:hiddenLine xmlns="" xmlns:a14="http://schemas.microsoft.com/office/drawing/2010/main" w="9525">
+                  <a14:hiddenLine xmlns:a14="http://schemas.microsoft.com/office/drawing/2010/main" xmlns="" w="9525">
                     <a:solidFill>
                       <a:srgbClr val="000000"/>
                     </a:solidFill>
@@ -12442,7 +13318,7 @@
               </a:ln>
               <a:extLst>
                 <a:ext uri="{91240B29-F687-4f45-9708-019B960494DF}">
-                  <a14:hiddenLine xmlns="" xmlns:a14="http://schemas.microsoft.com/office/drawing/2010/main" w="9525">
+                  <a14:hiddenLine xmlns:a14="http://schemas.microsoft.com/office/drawing/2010/main" xmlns="" w="9525">
                     <a:solidFill>
                       <a:srgbClr val="000000"/>
                     </a:solidFill>
@@ -12510,7 +13386,7 @@
               </a:ln>
               <a:extLst>
                 <a:ext uri="{91240B29-F687-4f45-9708-019B960494DF}">
-                  <a14:hiddenLine xmlns="" xmlns:a14="http://schemas.microsoft.com/office/drawing/2010/main" w="9525">
+                  <a14:hiddenLine xmlns:a14="http://schemas.microsoft.com/office/drawing/2010/main" xmlns="" w="9525">
                     <a:solidFill>
                       <a:srgbClr val="000000"/>
                     </a:solidFill>
@@ -12600,7 +13476,7 @@
               </a:ln>
               <a:extLst>
                 <a:ext uri="{91240B29-F687-4f45-9708-019B960494DF}">
-                  <a14:hiddenLine xmlns="" xmlns:a14="http://schemas.microsoft.com/office/drawing/2010/main" w="9525">
+                  <a14:hiddenLine xmlns:a14="http://schemas.microsoft.com/office/drawing/2010/main" xmlns="" w="9525">
                     <a:solidFill>
                       <a:srgbClr val="000000"/>
                     </a:solidFill>
@@ -12668,7 +13544,7 @@
               </a:ln>
               <a:extLst>
                 <a:ext uri="{91240B29-F687-4f45-9708-019B960494DF}">
-                  <a14:hiddenLine xmlns="" xmlns:a14="http://schemas.microsoft.com/office/drawing/2010/main" w="9525">
+                  <a14:hiddenLine xmlns:a14="http://schemas.microsoft.com/office/drawing/2010/main" xmlns="" w="9525">
                     <a:solidFill>
                       <a:srgbClr val="000000"/>
                     </a:solidFill>
@@ -12758,7 +13634,7 @@
               </a:ln>
               <a:extLst>
                 <a:ext uri="{91240B29-F687-4f45-9708-019B960494DF}">
-                  <a14:hiddenLine xmlns="" xmlns:a14="http://schemas.microsoft.com/office/drawing/2010/main" w="9525">
+                  <a14:hiddenLine xmlns:a14="http://schemas.microsoft.com/office/drawing/2010/main" xmlns="" w="9525">
                     <a:solidFill>
                       <a:srgbClr val="000000"/>
                     </a:solidFill>
@@ -12792,7 +13668,7 @@
               </a:ln>
               <a:extLst>
                 <a:ext uri="{91240B29-F687-4f45-9708-019B960494DF}">
-                  <a14:hiddenLine xmlns="" xmlns:a14="http://schemas.microsoft.com/office/drawing/2010/main" w="9525">
+                  <a14:hiddenLine xmlns:a14="http://schemas.microsoft.com/office/drawing/2010/main" xmlns="" w="9525">
                     <a:solidFill>
                       <a:srgbClr val="000000"/>
                     </a:solidFill>
@@ -12932,7 +13808,7 @@
           <a:p>
             <a:fld id="{93D8FBFA-ACBD-48EB-8D12-BCAA412544F4}" type="datetime1">
               <a:rPr lang="nl-NL" smtClean="0"/>
-              <a:t>10-1-2022</a:t>
+              <a:t>14-1-2022</a:t>
             </a:fld>
             <a:endParaRPr lang="nl-NL"/>
           </a:p>
@@ -13476,7 +14352,7 @@
           <p:nvPr/>
         </p:nvPicPr>
         <p:blipFill>
-          <a:blip r:embed="rId2">
+          <a:blip r:embed="rId3">
             <a:biLevel thresh="25000"/>
             <a:extLst>
               <a:ext uri="{28A0092B-C50C-407E-A947-70E740481C1C}">
@@ -13553,7 +14429,7 @@
           <p:nvPr/>
         </p:nvPicPr>
         <p:blipFill>
-          <a:blip r:embed="rId3">
+          <a:blip r:embed="rId4">
             <a:extLst>
               <a:ext uri="{28A0092B-C50C-407E-A947-70E740481C1C}">
                 <a14:useLocalDpi xmlns:a14="http://schemas.microsoft.com/office/drawing/2010/main" val="0"/>
@@ -14360,7 +15236,7 @@
           <p:nvPr/>
         </p:nvPicPr>
         <p:blipFill>
-          <a:blip r:embed="rId2">
+          <a:blip r:embed="rId3">
             <a:biLevel thresh="25000"/>
             <a:extLst>
               <a:ext uri="{28A0092B-C50C-407E-A947-70E740481C1C}">
@@ -14738,7 +15614,7 @@
           <p:nvPr/>
         </p:nvPicPr>
         <p:blipFill>
-          <a:blip r:embed="rId2">
+          <a:blip r:embed="rId3">
             <a:biLevel thresh="25000"/>
             <a:extLst>
               <a:ext uri="{28A0092B-C50C-407E-A947-70E740481C1C}">
@@ -14947,7 +15823,7 @@
           <p:nvPr/>
         </p:nvPicPr>
         <p:blipFill>
-          <a:blip r:embed="rId2">
+          <a:blip r:embed="rId3">
             <a:biLevel thresh="25000"/>
             <a:extLst>
               <a:ext uri="{28A0092B-C50C-407E-A947-70E740481C1C}">
@@ -15202,7 +16078,7 @@
           <p:nvPr/>
         </p:nvPicPr>
         <p:blipFill>
-          <a:blip r:embed="rId2">
+          <a:blip r:embed="rId3">
             <a:biLevel thresh="25000"/>
             <a:extLst>
               <a:ext uri="{28A0092B-C50C-407E-A947-70E740481C1C}">
@@ -15511,7 +16387,7 @@
           <p:nvPr/>
         </p:nvPicPr>
         <p:blipFill>
-          <a:blip r:embed="rId2">
+          <a:blip r:embed="rId3">
             <a:biLevel thresh="25000"/>
             <a:extLst>
               <a:ext uri="{28A0092B-C50C-407E-A947-70E740481C1C}">
@@ -15559,7 +16435,7 @@
           <p:nvPr/>
         </p:nvPicPr>
         <p:blipFill>
-          <a:blip r:embed="rId3">
+          <a:blip r:embed="rId4">
             <a:extLst>
               <a:ext uri="{28A0092B-C50C-407E-A947-70E740481C1C}">
                 <a14:useLocalDpi xmlns:a14="http://schemas.microsoft.com/office/drawing/2010/main" val="0"/>
@@ -15971,7 +16847,7 @@
           <p:nvPr/>
         </p:nvPicPr>
         <p:blipFill rotWithShape="1">
-          <a:blip r:embed="rId2"/>
+          <a:blip r:embed="rId3"/>
           <a:srcRect l="22803" t="20404" r="25000" b="43973"/>
           <a:stretch/>
         </p:blipFill>
@@ -16275,7 +17151,7 @@
           <p:nvPr/>
         </p:nvPicPr>
         <p:blipFill>
-          <a:blip r:embed="rId2">
+          <a:blip r:embed="rId3">
             <a:extLst>
               <a:ext uri="{28A0092B-C50C-407E-A947-70E740481C1C}">
                 <a14:useLocalDpi xmlns:a14="http://schemas.microsoft.com/office/drawing/2010/main" val="0"/>
@@ -16510,7 +17386,7 @@
           <p:nvPr/>
         </p:nvPicPr>
         <p:blipFill>
-          <a:blip r:embed="rId2">
+          <a:blip r:embed="rId3">
             <a:extLst>
               <a:ext uri="{28A0092B-C50C-407E-A947-70E740481C1C}">
                 <a14:useLocalDpi xmlns:a14="http://schemas.microsoft.com/office/drawing/2010/main" val="0"/>
